--- a/Diagnostics/local/Figures/paper_figures/Fig5.pptx
+++ b/Diagnostics/local/Figures/paper_figures/Fig5.pptx
@@ -243,7 +243,7 @@
           <a:p>
             <a:fld id="{0DE75794-736E-B143-B6EA-F6E85BE62C17}" type="datetimeFigureOut">
               <a:rPr lang="en-US" smtClean="0"/>
-              <a:t>4/20/2023</a:t>
+              <a:t>9/7/23</a:t>
             </a:fld>
             <a:endParaRPr lang="en-US"/>
           </a:p>
@@ -413,7 +413,7 @@
           <a:p>
             <a:fld id="{0DE75794-736E-B143-B6EA-F6E85BE62C17}" type="datetimeFigureOut">
               <a:rPr lang="en-US" smtClean="0"/>
-              <a:t>4/20/2023</a:t>
+              <a:t>9/7/23</a:t>
             </a:fld>
             <a:endParaRPr lang="en-US"/>
           </a:p>
@@ -593,7 +593,7 @@
           <a:p>
             <a:fld id="{0DE75794-736E-B143-B6EA-F6E85BE62C17}" type="datetimeFigureOut">
               <a:rPr lang="en-US" smtClean="0"/>
-              <a:t>4/20/2023</a:t>
+              <a:t>9/7/23</a:t>
             </a:fld>
             <a:endParaRPr lang="en-US"/>
           </a:p>
@@ -763,7 +763,7 @@
           <a:p>
             <a:fld id="{0DE75794-736E-B143-B6EA-F6E85BE62C17}" type="datetimeFigureOut">
               <a:rPr lang="en-US" smtClean="0"/>
-              <a:t>4/20/2023</a:t>
+              <a:t>9/7/23</a:t>
             </a:fld>
             <a:endParaRPr lang="en-US"/>
           </a:p>
@@ -1007,7 +1007,7 @@
           <a:p>
             <a:fld id="{0DE75794-736E-B143-B6EA-F6E85BE62C17}" type="datetimeFigureOut">
               <a:rPr lang="en-US" smtClean="0"/>
-              <a:t>4/20/2023</a:t>
+              <a:t>9/7/23</a:t>
             </a:fld>
             <a:endParaRPr lang="en-US"/>
           </a:p>
@@ -1239,7 +1239,7 @@
           <a:p>
             <a:fld id="{0DE75794-736E-B143-B6EA-F6E85BE62C17}" type="datetimeFigureOut">
               <a:rPr lang="en-US" smtClean="0"/>
-              <a:t>4/20/2023</a:t>
+              <a:t>9/7/23</a:t>
             </a:fld>
             <a:endParaRPr lang="en-US"/>
           </a:p>
@@ -1606,7 +1606,7 @@
           <a:p>
             <a:fld id="{0DE75794-736E-B143-B6EA-F6E85BE62C17}" type="datetimeFigureOut">
               <a:rPr lang="en-US" smtClean="0"/>
-              <a:t>4/20/2023</a:t>
+              <a:t>9/7/23</a:t>
             </a:fld>
             <a:endParaRPr lang="en-US"/>
           </a:p>
@@ -1724,7 +1724,7 @@
           <a:p>
             <a:fld id="{0DE75794-736E-B143-B6EA-F6E85BE62C17}" type="datetimeFigureOut">
               <a:rPr lang="en-US" smtClean="0"/>
-              <a:t>4/20/2023</a:t>
+              <a:t>9/7/23</a:t>
             </a:fld>
             <a:endParaRPr lang="en-US"/>
           </a:p>
@@ -1819,7 +1819,7 @@
           <a:p>
             <a:fld id="{0DE75794-736E-B143-B6EA-F6E85BE62C17}" type="datetimeFigureOut">
               <a:rPr lang="en-US" smtClean="0"/>
-              <a:t>4/20/2023</a:t>
+              <a:t>9/7/23</a:t>
             </a:fld>
             <a:endParaRPr lang="en-US"/>
           </a:p>
@@ -2096,7 +2096,7 @@
           <a:p>
             <a:fld id="{0DE75794-736E-B143-B6EA-F6E85BE62C17}" type="datetimeFigureOut">
               <a:rPr lang="en-US" smtClean="0"/>
-              <a:t>4/20/2023</a:t>
+              <a:t>9/7/23</a:t>
             </a:fld>
             <a:endParaRPr lang="en-US"/>
           </a:p>
@@ -2353,7 +2353,7 @@
           <a:p>
             <a:fld id="{0DE75794-736E-B143-B6EA-F6E85BE62C17}" type="datetimeFigureOut">
               <a:rPr lang="en-US" smtClean="0"/>
-              <a:t>4/20/2023</a:t>
+              <a:t>9/7/23</a:t>
             </a:fld>
             <a:endParaRPr lang="en-US"/>
           </a:p>
@@ -2566,7 +2566,7 @@
           <a:p>
             <a:fld id="{0DE75794-736E-B143-B6EA-F6E85BE62C17}" type="datetimeFigureOut">
               <a:rPr lang="en-US" smtClean="0"/>
-              <a:t>4/20/2023</a:t>
+              <a:t>9/7/23</a:t>
             </a:fld>
             <a:endParaRPr lang="en-US"/>
           </a:p>
@@ -2973,10 +2973,10 @@
       </p:grpSpPr>
       <p:pic>
         <p:nvPicPr>
-          <p:cNvPr id="11" name="Picture 10">
+          <p:cNvPr id="10" name="Picture 9" descr="A diagram of a waveform&#10;&#10;Description automatically generated">
             <a:extLst>
               <a:ext uri="{FF2B5EF4-FFF2-40B4-BE49-F238E27FC236}">
-                <a16:creationId xmlns:a16="http://schemas.microsoft.com/office/drawing/2014/main" id="{C3CC386F-EB2B-40C8-98EC-5F29F9BC4295}"/>
+                <a16:creationId xmlns:a16="http://schemas.microsoft.com/office/drawing/2014/main" id="{C4D1DB68-8B72-56B2-58F6-5236D6EA7655}"/>
               </a:ext>
             </a:extLst>
           </p:cNvPr>
@@ -2987,13 +2987,13 @@
         </p:nvPicPr>
         <p:blipFill rotWithShape="1">
           <a:blip r:embed="rId2"/>
-          <a:srcRect l="3108" t="5626" r="2459" b="3988"/>
+          <a:srcRect t="4439" r="1192" b="3217"/>
           <a:stretch/>
         </p:blipFill>
         <p:spPr>
           <a:xfrm>
-            <a:off x="69834" y="237288"/>
-            <a:ext cx="4317487" cy="3381087"/>
+            <a:off x="183668" y="3645568"/>
+            <a:ext cx="4348501" cy="3657600"/>
           </a:xfrm>
           <a:prstGeom prst="rect">
             <a:avLst/>
@@ -3002,10 +3002,10 @@
       </p:pic>
       <p:pic>
         <p:nvPicPr>
-          <p:cNvPr id="7" name="Picture 6">
+          <p:cNvPr id="13" name="Picture 12" descr="A graph showing a blue and yellow color&#10;&#10;Description automatically generated">
             <a:extLst>
               <a:ext uri="{FF2B5EF4-FFF2-40B4-BE49-F238E27FC236}">
-                <a16:creationId xmlns:a16="http://schemas.microsoft.com/office/drawing/2014/main" id="{5435F11A-CEC5-47A8-8BC9-7B6E1BEDA3EC}"/>
+                <a16:creationId xmlns:a16="http://schemas.microsoft.com/office/drawing/2014/main" id="{D7A56D31-2F35-CDCE-CEDE-8A4D81DE47E8}"/>
               </a:ext>
             </a:extLst>
           </p:cNvPr>
@@ -3016,13 +3016,13 @@
         </p:nvPicPr>
         <p:blipFill rotWithShape="1">
           <a:blip r:embed="rId3"/>
-          <a:srcRect l="3108" t="5734" b="2690"/>
+          <a:srcRect t="5555" r="1192" b="2632"/>
           <a:stretch/>
         </p:blipFill>
         <p:spPr>
           <a:xfrm>
-            <a:off x="111391" y="3766413"/>
-            <a:ext cx="4429906" cy="3530285"/>
+            <a:off x="147569" y="36096"/>
+            <a:ext cx="4373629" cy="3657600"/>
           </a:xfrm>
           <a:prstGeom prst="rect">
             <a:avLst/>
@@ -3099,8 +3099,8 @@
           </a:p>
         </p:txBody>
       </p:sp>
-      <mc:AlternateContent xmlns:mc="http://schemas.openxmlformats.org/markup-compatibility/2006">
-        <mc:Choice xmlns:a14="http://schemas.microsoft.com/office/drawing/2010/main" Requires="a14">
+      <mc:AlternateContent xmlns:mc="http://schemas.openxmlformats.org/markup-compatibility/2006" xmlns:a14="http://schemas.microsoft.com/office/drawing/2010/main">
+        <mc:Choice Requires="a14">
           <p:sp>
             <p:nvSpPr>
               <p:cNvPr id="18" name="TextBox 17">
@@ -3175,7 +3175,7 @@
             </p:txBody>
           </p:sp>
         </mc:Choice>
-        <mc:Fallback>
+        <mc:Fallback xmlns="">
           <p:sp>
             <p:nvSpPr>
               <p:cNvPr id="18" name="TextBox 17">
@@ -3220,8 +3220,8 @@
           </p:sp>
         </mc:Fallback>
       </mc:AlternateContent>
-      <mc:AlternateContent xmlns:mc="http://schemas.openxmlformats.org/markup-compatibility/2006">
-        <mc:Choice xmlns:a14="http://schemas.microsoft.com/office/drawing/2010/main" Requires="a14">
+      <mc:AlternateContent xmlns:mc="http://schemas.openxmlformats.org/markup-compatibility/2006" xmlns:a14="http://schemas.microsoft.com/office/drawing/2010/main">
+        <mc:Choice Requires="a14">
           <p:sp>
             <p:nvSpPr>
               <p:cNvPr id="20" name="TextBox 19">
@@ -3275,7 +3275,7 @@
             </p:txBody>
           </p:sp>
         </mc:Choice>
-        <mc:Fallback>
+        <mc:Fallback xmlns="">
           <p:sp>
             <p:nvSpPr>
               <p:cNvPr id="20" name="TextBox 19">

--- a/Diagnostics/local/Figures/paper_figures/Fig5.pptx
+++ b/Diagnostics/local/Figures/paper_figures/Fig5.pptx
@@ -1,13 +1,16 @@
 
 <file path=ppt/presentation.xml><?xml version="1.0" encoding="utf-8"?>
-<p:presentation xmlns:a="http://schemas.openxmlformats.org/drawingml/2006/main" xmlns:r="http://schemas.openxmlformats.org/officeDocument/2006/relationships" xmlns:p="http://schemas.openxmlformats.org/presentationml/2006/main" saveSubsetFonts="1" autoCompressPictures="0">
+<p:presentation xmlns:a="http://schemas.openxmlformats.org/drawingml/2006/main" xmlns:r="http://schemas.openxmlformats.org/officeDocument/2006/relationships" xmlns:p="http://schemas.openxmlformats.org/presentationml/2006/main" saveSubsetFonts="1">
   <p:sldMasterIdLst>
-    <p:sldMasterId id="2147483672" r:id="rId1"/>
+    <p:sldMasterId id="2147483780" r:id="rId1"/>
   </p:sldMasterIdLst>
+  <p:notesMasterIdLst>
+    <p:notesMasterId r:id="rId3"/>
+  </p:notesMasterIdLst>
   <p:sldIdLst>
-    <p:sldId id="256" r:id="rId2"/>
+    <p:sldId id="257" r:id="rId2"/>
   </p:sldIdLst>
-  <p:sldSz cx="4572000" cy="7315200"/>
+  <p:sldSz cx="13258800" cy="9144000"/>
   <p:notesSz cx="6858000" cy="9144000"/>
   <p:defaultTextStyle>
     <a:defPPr>
@@ -112,6 +115,444 @@
 </p:presentation>
 </file>
 
+<file path=ppt/notesMasters/notesMaster1.xml><?xml version="1.0" encoding="utf-8"?>
+<p:notesMaster xmlns:a="http://schemas.openxmlformats.org/drawingml/2006/main" xmlns:r="http://schemas.openxmlformats.org/officeDocument/2006/relationships" xmlns:p="http://schemas.openxmlformats.org/presentationml/2006/main">
+  <p:cSld>
+    <p:bg>
+      <p:bgRef idx="1001">
+        <a:schemeClr val="bg1"/>
+      </p:bgRef>
+    </p:bg>
+    <p:spTree>
+      <p:nvGrpSpPr>
+        <p:cNvPr id="1" name=""/>
+        <p:cNvGrpSpPr/>
+        <p:nvPr/>
+      </p:nvGrpSpPr>
+      <p:grpSpPr>
+        <a:xfrm>
+          <a:off x="0" y="0"/>
+          <a:ext cx="0" cy="0"/>
+          <a:chOff x="0" y="0"/>
+          <a:chExt cx="0" cy="0"/>
+        </a:xfrm>
+      </p:grpSpPr>
+      <p:sp>
+        <p:nvSpPr>
+          <p:cNvPr id="2" name="Header Placeholder 1"/>
+          <p:cNvSpPr>
+            <a:spLocks noGrp="1"/>
+          </p:cNvSpPr>
+          <p:nvPr>
+            <p:ph type="hdr" sz="quarter"/>
+          </p:nvPr>
+        </p:nvSpPr>
+        <p:spPr>
+          <a:xfrm>
+            <a:off x="0" y="0"/>
+            <a:ext cx="2971800" cy="458788"/>
+          </a:xfrm>
+          <a:prstGeom prst="rect">
+            <a:avLst/>
+          </a:prstGeom>
+        </p:spPr>
+        <p:txBody>
+          <a:bodyPr vert="horz" lIns="91440" tIns="45720" rIns="91440" bIns="45720" rtlCol="0"/>
+          <a:lstStyle>
+            <a:lvl1pPr algn="l">
+              <a:defRPr sz="1200"/>
+            </a:lvl1pPr>
+          </a:lstStyle>
+          <a:p>
+            <a:endParaRPr lang="en-US"/>
+          </a:p>
+        </p:txBody>
+      </p:sp>
+      <p:sp>
+        <p:nvSpPr>
+          <p:cNvPr id="3" name="Date Placeholder 2"/>
+          <p:cNvSpPr>
+            <a:spLocks noGrp="1"/>
+          </p:cNvSpPr>
+          <p:nvPr>
+            <p:ph type="dt" idx="1"/>
+          </p:nvPr>
+        </p:nvSpPr>
+        <p:spPr>
+          <a:xfrm>
+            <a:off x="3884613" y="0"/>
+            <a:ext cx="2971800" cy="458788"/>
+          </a:xfrm>
+          <a:prstGeom prst="rect">
+            <a:avLst/>
+          </a:prstGeom>
+        </p:spPr>
+        <p:txBody>
+          <a:bodyPr vert="horz" lIns="91440" tIns="45720" rIns="91440" bIns="45720" rtlCol="0"/>
+          <a:lstStyle>
+            <a:lvl1pPr algn="r">
+              <a:defRPr sz="1200"/>
+            </a:lvl1pPr>
+          </a:lstStyle>
+          <a:p>
+            <a:fld id="{EF01F5E3-F218-412E-8BC3-D55FF0C40A04}" type="datetimeFigureOut">
+              <a:rPr lang="en-US" smtClean="0"/>
+              <a:t>9/19/23</a:t>
+            </a:fld>
+            <a:endParaRPr lang="en-US"/>
+          </a:p>
+        </p:txBody>
+      </p:sp>
+      <p:sp>
+        <p:nvSpPr>
+          <p:cNvPr id="4" name="Slide Image Placeholder 3"/>
+          <p:cNvSpPr>
+            <a:spLocks noGrp="1" noRot="1" noChangeAspect="1"/>
+          </p:cNvSpPr>
+          <p:nvPr>
+            <p:ph type="sldImg" idx="2"/>
+          </p:nvPr>
+        </p:nvSpPr>
+        <p:spPr>
+          <a:xfrm>
+            <a:off x="1192213" y="1143000"/>
+            <a:ext cx="4473575" cy="3086100"/>
+          </a:xfrm>
+          <a:prstGeom prst="rect">
+            <a:avLst/>
+          </a:prstGeom>
+          <a:noFill/>
+          <a:ln w="12700">
+            <a:solidFill>
+              <a:prstClr val="black"/>
+            </a:solidFill>
+          </a:ln>
+        </p:spPr>
+        <p:txBody>
+          <a:bodyPr vert="horz" lIns="91440" tIns="45720" rIns="91440" bIns="45720" rtlCol="0" anchor="ctr"/>
+          <a:lstStyle/>
+          <a:p>
+            <a:endParaRPr lang="en-US"/>
+          </a:p>
+        </p:txBody>
+      </p:sp>
+      <p:sp>
+        <p:nvSpPr>
+          <p:cNvPr id="5" name="Notes Placeholder 4"/>
+          <p:cNvSpPr>
+            <a:spLocks noGrp="1"/>
+          </p:cNvSpPr>
+          <p:nvPr>
+            <p:ph type="body" sz="quarter" idx="3"/>
+          </p:nvPr>
+        </p:nvSpPr>
+        <p:spPr>
+          <a:xfrm>
+            <a:off x="685800" y="4400550"/>
+            <a:ext cx="5486400" cy="3600450"/>
+          </a:xfrm>
+          <a:prstGeom prst="rect">
+            <a:avLst/>
+          </a:prstGeom>
+        </p:spPr>
+        <p:txBody>
+          <a:bodyPr vert="horz" lIns="91440" tIns="45720" rIns="91440" bIns="45720" rtlCol="0"/>
+          <a:lstStyle/>
+          <a:p>
+            <a:pPr lvl="0"/>
+            <a:r>
+              <a:rPr lang="en-US"/>
+              <a:t>Edit Master text styles</a:t>
+            </a:r>
+          </a:p>
+          <a:p>
+            <a:pPr lvl="1"/>
+            <a:r>
+              <a:rPr lang="en-US"/>
+              <a:t>Second level</a:t>
+            </a:r>
+          </a:p>
+          <a:p>
+            <a:pPr lvl="2"/>
+            <a:r>
+              <a:rPr lang="en-US"/>
+              <a:t>Third level</a:t>
+            </a:r>
+          </a:p>
+          <a:p>
+            <a:pPr lvl="3"/>
+            <a:r>
+              <a:rPr lang="en-US"/>
+              <a:t>Fourth level</a:t>
+            </a:r>
+          </a:p>
+          <a:p>
+            <a:pPr lvl="4"/>
+            <a:r>
+              <a:rPr lang="en-US"/>
+              <a:t>Fifth level</a:t>
+            </a:r>
+          </a:p>
+        </p:txBody>
+      </p:sp>
+      <p:sp>
+        <p:nvSpPr>
+          <p:cNvPr id="6" name="Footer Placeholder 5"/>
+          <p:cNvSpPr>
+            <a:spLocks noGrp="1"/>
+          </p:cNvSpPr>
+          <p:nvPr>
+            <p:ph type="ftr" sz="quarter" idx="4"/>
+          </p:nvPr>
+        </p:nvSpPr>
+        <p:spPr>
+          <a:xfrm>
+            <a:off x="0" y="8685213"/>
+            <a:ext cx="2971800" cy="458787"/>
+          </a:xfrm>
+          <a:prstGeom prst="rect">
+            <a:avLst/>
+          </a:prstGeom>
+        </p:spPr>
+        <p:txBody>
+          <a:bodyPr vert="horz" lIns="91440" tIns="45720" rIns="91440" bIns="45720" rtlCol="0" anchor="b"/>
+          <a:lstStyle>
+            <a:lvl1pPr algn="l">
+              <a:defRPr sz="1200"/>
+            </a:lvl1pPr>
+          </a:lstStyle>
+          <a:p>
+            <a:endParaRPr lang="en-US"/>
+          </a:p>
+        </p:txBody>
+      </p:sp>
+      <p:sp>
+        <p:nvSpPr>
+          <p:cNvPr id="7" name="Slide Number Placeholder 6"/>
+          <p:cNvSpPr>
+            <a:spLocks noGrp="1"/>
+          </p:cNvSpPr>
+          <p:nvPr>
+            <p:ph type="sldNum" sz="quarter" idx="5"/>
+          </p:nvPr>
+        </p:nvSpPr>
+        <p:spPr>
+          <a:xfrm>
+            <a:off x="3884613" y="8685213"/>
+            <a:ext cx="2971800" cy="458787"/>
+          </a:xfrm>
+          <a:prstGeom prst="rect">
+            <a:avLst/>
+          </a:prstGeom>
+        </p:spPr>
+        <p:txBody>
+          <a:bodyPr vert="horz" lIns="91440" tIns="45720" rIns="91440" bIns="45720" rtlCol="0" anchor="b"/>
+          <a:lstStyle>
+            <a:lvl1pPr algn="r">
+              <a:defRPr sz="1200"/>
+            </a:lvl1pPr>
+          </a:lstStyle>
+          <a:p>
+            <a:fld id="{AFD65F47-2FD9-43BB-BA8A-4A01C26ED9AC}" type="slidenum">
+              <a:rPr lang="en-US" smtClean="0"/>
+              <a:t>‹#›</a:t>
+            </a:fld>
+            <a:endParaRPr lang="en-US"/>
+          </a:p>
+        </p:txBody>
+      </p:sp>
+    </p:spTree>
+    <p:extLst>
+      <p:ext uri="{BB962C8B-B14F-4D97-AF65-F5344CB8AC3E}">
+        <p14:creationId xmlns:p14="http://schemas.microsoft.com/office/powerpoint/2010/main" val="3780017709"/>
+      </p:ext>
+    </p:extLst>
+  </p:cSld>
+  <p:clrMap bg1="lt1" tx1="dk1" bg2="lt2" tx2="dk2" accent1="accent1" accent2="accent2" accent3="accent3" accent4="accent4" accent5="accent5" accent6="accent6" hlink="hlink" folHlink="folHlink"/>
+  <p:notesStyle>
+    <a:lvl1pPr marL="0" algn="l" defTabSz="1920240" rtl="0" eaLnBrk="1" latinLnBrk="0" hangingPunct="1">
+      <a:defRPr sz="2520" kern="1200">
+        <a:solidFill>
+          <a:schemeClr val="tx1"/>
+        </a:solidFill>
+        <a:latin typeface="+mn-lt"/>
+        <a:ea typeface="+mn-ea"/>
+        <a:cs typeface="+mn-cs"/>
+      </a:defRPr>
+    </a:lvl1pPr>
+    <a:lvl2pPr marL="960120" algn="l" defTabSz="1920240" rtl="0" eaLnBrk="1" latinLnBrk="0" hangingPunct="1">
+      <a:defRPr sz="2520" kern="1200">
+        <a:solidFill>
+          <a:schemeClr val="tx1"/>
+        </a:solidFill>
+        <a:latin typeface="+mn-lt"/>
+        <a:ea typeface="+mn-ea"/>
+        <a:cs typeface="+mn-cs"/>
+      </a:defRPr>
+    </a:lvl2pPr>
+    <a:lvl3pPr marL="1920240" algn="l" defTabSz="1920240" rtl="0" eaLnBrk="1" latinLnBrk="0" hangingPunct="1">
+      <a:defRPr sz="2520" kern="1200">
+        <a:solidFill>
+          <a:schemeClr val="tx1"/>
+        </a:solidFill>
+        <a:latin typeface="+mn-lt"/>
+        <a:ea typeface="+mn-ea"/>
+        <a:cs typeface="+mn-cs"/>
+      </a:defRPr>
+    </a:lvl3pPr>
+    <a:lvl4pPr marL="2880360" algn="l" defTabSz="1920240" rtl="0" eaLnBrk="1" latinLnBrk="0" hangingPunct="1">
+      <a:defRPr sz="2520" kern="1200">
+        <a:solidFill>
+          <a:schemeClr val="tx1"/>
+        </a:solidFill>
+        <a:latin typeface="+mn-lt"/>
+        <a:ea typeface="+mn-ea"/>
+        <a:cs typeface="+mn-cs"/>
+      </a:defRPr>
+    </a:lvl4pPr>
+    <a:lvl5pPr marL="3840480" algn="l" defTabSz="1920240" rtl="0" eaLnBrk="1" latinLnBrk="0" hangingPunct="1">
+      <a:defRPr sz="2520" kern="1200">
+        <a:solidFill>
+          <a:schemeClr val="tx1"/>
+        </a:solidFill>
+        <a:latin typeface="+mn-lt"/>
+        <a:ea typeface="+mn-ea"/>
+        <a:cs typeface="+mn-cs"/>
+      </a:defRPr>
+    </a:lvl5pPr>
+    <a:lvl6pPr marL="4800600" algn="l" defTabSz="1920240" rtl="0" eaLnBrk="1" latinLnBrk="0" hangingPunct="1">
+      <a:defRPr sz="2520" kern="1200">
+        <a:solidFill>
+          <a:schemeClr val="tx1"/>
+        </a:solidFill>
+        <a:latin typeface="+mn-lt"/>
+        <a:ea typeface="+mn-ea"/>
+        <a:cs typeface="+mn-cs"/>
+      </a:defRPr>
+    </a:lvl6pPr>
+    <a:lvl7pPr marL="5760720" algn="l" defTabSz="1920240" rtl="0" eaLnBrk="1" latinLnBrk="0" hangingPunct="1">
+      <a:defRPr sz="2520" kern="1200">
+        <a:solidFill>
+          <a:schemeClr val="tx1"/>
+        </a:solidFill>
+        <a:latin typeface="+mn-lt"/>
+        <a:ea typeface="+mn-ea"/>
+        <a:cs typeface="+mn-cs"/>
+      </a:defRPr>
+    </a:lvl7pPr>
+    <a:lvl8pPr marL="6720840" algn="l" defTabSz="1920240" rtl="0" eaLnBrk="1" latinLnBrk="0" hangingPunct="1">
+      <a:defRPr sz="2520" kern="1200">
+        <a:solidFill>
+          <a:schemeClr val="tx1"/>
+        </a:solidFill>
+        <a:latin typeface="+mn-lt"/>
+        <a:ea typeface="+mn-ea"/>
+        <a:cs typeface="+mn-cs"/>
+      </a:defRPr>
+    </a:lvl8pPr>
+    <a:lvl9pPr marL="7680960" algn="l" defTabSz="1920240" rtl="0" eaLnBrk="1" latinLnBrk="0" hangingPunct="1">
+      <a:defRPr sz="2520" kern="1200">
+        <a:solidFill>
+          <a:schemeClr val="tx1"/>
+        </a:solidFill>
+        <a:latin typeface="+mn-lt"/>
+        <a:ea typeface="+mn-ea"/>
+        <a:cs typeface="+mn-cs"/>
+      </a:defRPr>
+    </a:lvl9pPr>
+  </p:notesStyle>
+</p:notesMaster>
+</file>
+
+<file path=ppt/notesSlides/notesSlide1.xml><?xml version="1.0" encoding="utf-8"?>
+<p:notes xmlns:a="http://schemas.openxmlformats.org/drawingml/2006/main" xmlns:r="http://schemas.openxmlformats.org/officeDocument/2006/relationships" xmlns:p="http://schemas.openxmlformats.org/presentationml/2006/main">
+  <p:cSld>
+    <p:spTree>
+      <p:nvGrpSpPr>
+        <p:cNvPr id="1" name=""/>
+        <p:cNvGrpSpPr/>
+        <p:nvPr/>
+      </p:nvGrpSpPr>
+      <p:grpSpPr>
+        <a:xfrm>
+          <a:off x="0" y="0"/>
+          <a:ext cx="0" cy="0"/>
+          <a:chOff x="0" y="0"/>
+          <a:chExt cx="0" cy="0"/>
+        </a:xfrm>
+      </p:grpSpPr>
+      <p:sp>
+        <p:nvSpPr>
+          <p:cNvPr id="2" name="Slide Image Placeholder 1"/>
+          <p:cNvSpPr>
+            <a:spLocks noGrp="1" noRot="1" noChangeAspect="1"/>
+          </p:cNvSpPr>
+          <p:nvPr>
+            <p:ph type="sldImg"/>
+          </p:nvPr>
+        </p:nvSpPr>
+        <p:spPr>
+          <a:xfrm>
+            <a:off x="1192213" y="1143000"/>
+            <a:ext cx="4473575" cy="3086100"/>
+          </a:xfrm>
+        </p:spPr>
+      </p:sp>
+      <p:sp>
+        <p:nvSpPr>
+          <p:cNvPr id="3" name="Notes Placeholder 2"/>
+          <p:cNvSpPr>
+            <a:spLocks noGrp="1"/>
+          </p:cNvSpPr>
+          <p:nvPr>
+            <p:ph type="body" idx="1"/>
+          </p:nvPr>
+        </p:nvSpPr>
+        <p:spPr/>
+        <p:txBody>
+          <a:bodyPr/>
+          <a:lstStyle/>
+          <a:p>
+            <a:endParaRPr lang="en-US" dirty="0"/>
+          </a:p>
+        </p:txBody>
+      </p:sp>
+      <p:sp>
+        <p:nvSpPr>
+          <p:cNvPr id="4" name="Slide Number Placeholder 3"/>
+          <p:cNvSpPr>
+            <a:spLocks noGrp="1"/>
+          </p:cNvSpPr>
+          <p:nvPr>
+            <p:ph type="sldNum" sz="quarter" idx="5"/>
+          </p:nvPr>
+        </p:nvSpPr>
+        <p:spPr/>
+        <p:txBody>
+          <a:bodyPr/>
+          <a:lstStyle/>
+          <a:p>
+            <a:fld id="{AFD65F47-2FD9-43BB-BA8A-4A01C26ED9AC}" type="slidenum">
+              <a:rPr lang="en-US" smtClean="0"/>
+              <a:t>1</a:t>
+            </a:fld>
+            <a:endParaRPr lang="en-US"/>
+          </a:p>
+        </p:txBody>
+      </p:sp>
+    </p:spTree>
+    <p:extLst>
+      <p:ext uri="{BB962C8B-B14F-4D97-AF65-F5344CB8AC3E}">
+        <p14:creationId xmlns:p14="http://schemas.microsoft.com/office/powerpoint/2010/main" val="1008825765"/>
+      </p:ext>
+    </p:extLst>
+  </p:cSld>
+  <p:clrMapOvr>
+    <a:masterClrMapping/>
+  </p:clrMapOvr>
+</p:notes>
+</file>
+
 <file path=ppt/slideLayouts/slideLayout1.xml><?xml version="1.0" encoding="utf-8"?>
 <p:sldLayout xmlns:a="http://schemas.openxmlformats.org/drawingml/2006/main" xmlns:r="http://schemas.openxmlformats.org/officeDocument/2006/relationships" xmlns:p="http://schemas.openxmlformats.org/presentationml/2006/main" type="title" preserve="1">
   <p:cSld name="Title Slide">
@@ -141,15 +582,15 @@
         </p:nvSpPr>
         <p:spPr>
           <a:xfrm>
-            <a:off x="342900" y="1197187"/>
-            <a:ext cx="3886200" cy="2546773"/>
+            <a:off x="994410" y="1496484"/>
+            <a:ext cx="11269980" cy="3183467"/>
           </a:xfrm>
         </p:spPr>
         <p:txBody>
           <a:bodyPr anchor="b"/>
           <a:lstStyle>
             <a:lvl1pPr algn="ctr">
-              <a:defRPr sz="3000"/>
+              <a:defRPr sz="8000"/>
             </a:lvl1pPr>
           </a:lstStyle>
           <a:p>
@@ -173,8 +614,8 @@
         </p:nvSpPr>
         <p:spPr>
           <a:xfrm>
-            <a:off x="571500" y="3842174"/>
-            <a:ext cx="3429000" cy="1766146"/>
+            <a:off x="1657350" y="4802717"/>
+            <a:ext cx="9944100" cy="2207683"/>
           </a:xfrm>
         </p:spPr>
         <p:txBody>
@@ -182,39 +623,39 @@
           <a:lstStyle>
             <a:lvl1pPr marL="0" indent="0" algn="ctr">
               <a:buNone/>
-              <a:defRPr sz="1200"/>
+              <a:defRPr sz="3200"/>
             </a:lvl1pPr>
-            <a:lvl2pPr marL="228600" indent="0" algn="ctr">
-              <a:buNone/>
-              <a:defRPr sz="1000"/>
+            <a:lvl2pPr marL="609585" indent="0" algn="ctr">
+              <a:buNone/>
+              <a:defRPr sz="2667"/>
             </a:lvl2pPr>
-            <a:lvl3pPr marL="457200" indent="0" algn="ctr">
-              <a:buNone/>
-              <a:defRPr sz="900"/>
+            <a:lvl3pPr marL="1219170" indent="0" algn="ctr">
+              <a:buNone/>
+              <a:defRPr sz="2400"/>
             </a:lvl3pPr>
-            <a:lvl4pPr marL="685800" indent="0" algn="ctr">
-              <a:buNone/>
-              <a:defRPr sz="800"/>
+            <a:lvl4pPr marL="1828754" indent="0" algn="ctr">
+              <a:buNone/>
+              <a:defRPr sz="2133"/>
             </a:lvl4pPr>
-            <a:lvl5pPr marL="914400" indent="0" algn="ctr">
-              <a:buNone/>
-              <a:defRPr sz="800"/>
+            <a:lvl5pPr marL="2438339" indent="0" algn="ctr">
+              <a:buNone/>
+              <a:defRPr sz="2133"/>
             </a:lvl5pPr>
-            <a:lvl6pPr marL="1143000" indent="0" algn="ctr">
-              <a:buNone/>
-              <a:defRPr sz="800"/>
+            <a:lvl6pPr marL="3047924" indent="0" algn="ctr">
+              <a:buNone/>
+              <a:defRPr sz="2133"/>
             </a:lvl6pPr>
-            <a:lvl7pPr marL="1371600" indent="0" algn="ctr">
-              <a:buNone/>
-              <a:defRPr sz="800"/>
+            <a:lvl7pPr marL="3657509" indent="0" algn="ctr">
+              <a:buNone/>
+              <a:defRPr sz="2133"/>
             </a:lvl7pPr>
-            <a:lvl8pPr marL="1600200" indent="0" algn="ctr">
-              <a:buNone/>
-              <a:defRPr sz="800"/>
+            <a:lvl8pPr marL="4267093" indent="0" algn="ctr">
+              <a:buNone/>
+              <a:defRPr sz="2133"/>
             </a:lvl8pPr>
-            <a:lvl9pPr marL="1828800" indent="0" algn="ctr">
-              <a:buNone/>
-              <a:defRPr sz="800"/>
+            <a:lvl9pPr marL="4876678" indent="0" algn="ctr">
+              <a:buNone/>
+              <a:defRPr sz="2133"/>
             </a:lvl9pPr>
           </a:lstStyle>
           <a:p>
@@ -241,9 +682,9 @@
           <a:bodyPr/>
           <a:lstStyle/>
           <a:p>
-            <a:fld id="{0DE75794-736E-B143-B6EA-F6E85BE62C17}" type="datetimeFigureOut">
+            <a:fld id="{D7255102-6478-444A-A334-5416F04ED077}" type="datetimeFigureOut">
               <a:rPr lang="en-US" smtClean="0"/>
-              <a:t>9/7/23</a:t>
+              <a:t>9/19/23</a:t>
             </a:fld>
             <a:endParaRPr lang="en-US"/>
           </a:p>
@@ -283,7 +724,7 @@
           <a:bodyPr/>
           <a:lstStyle/>
           <a:p>
-            <a:fld id="{A95857D5-9AB4-D145-959E-3D0E335D91E1}" type="slidenum">
+            <a:fld id="{117C35E1-85B3-479B-A69A-C38115CA9BAF}" type="slidenum">
               <a:rPr lang="en-US" smtClean="0"/>
               <a:t>‹#›</a:t>
             </a:fld>
@@ -294,7 +735,7 @@
     </p:spTree>
     <p:extLst>
       <p:ext uri="{BB962C8B-B14F-4D97-AF65-F5344CB8AC3E}">
-        <p14:creationId xmlns:p14="http://schemas.microsoft.com/office/powerpoint/2010/main" val="4224346208"/>
+        <p14:creationId xmlns:p14="http://schemas.microsoft.com/office/powerpoint/2010/main" val="3422760104"/>
       </p:ext>
     </p:extLst>
   </p:cSld>
@@ -362,7 +803,7 @@
             <a:pPr lvl="0"/>
             <a:r>
               <a:rPr lang="en-US"/>
-              <a:t>Click to edit Master text styles</a:t>
+              <a:t>Edit Master text styles</a:t>
             </a:r>
           </a:p>
           <a:p>
@@ -411,9 +852,9 @@
           <a:bodyPr/>
           <a:lstStyle/>
           <a:p>
-            <a:fld id="{0DE75794-736E-B143-B6EA-F6E85BE62C17}" type="datetimeFigureOut">
+            <a:fld id="{D7255102-6478-444A-A334-5416F04ED077}" type="datetimeFigureOut">
               <a:rPr lang="en-US" smtClean="0"/>
-              <a:t>9/7/23</a:t>
+              <a:t>9/19/23</a:t>
             </a:fld>
             <a:endParaRPr lang="en-US"/>
           </a:p>
@@ -453,7 +894,7 @@
           <a:bodyPr/>
           <a:lstStyle/>
           <a:p>
-            <a:fld id="{A95857D5-9AB4-D145-959E-3D0E335D91E1}" type="slidenum">
+            <a:fld id="{117C35E1-85B3-479B-A69A-C38115CA9BAF}" type="slidenum">
               <a:rPr lang="en-US" smtClean="0"/>
               <a:t>‹#›</a:t>
             </a:fld>
@@ -464,7 +905,7 @@
     </p:spTree>
     <p:extLst>
       <p:ext uri="{BB962C8B-B14F-4D97-AF65-F5344CB8AC3E}">
-        <p14:creationId xmlns:p14="http://schemas.microsoft.com/office/powerpoint/2010/main" val="4100613788"/>
+        <p14:creationId xmlns:p14="http://schemas.microsoft.com/office/powerpoint/2010/main" val="1512065712"/>
       </p:ext>
     </p:extLst>
   </p:cSld>
@@ -503,8 +944,8 @@
         </p:nvSpPr>
         <p:spPr>
           <a:xfrm>
-            <a:off x="3271838" y="389467"/>
-            <a:ext cx="985838" cy="6199294"/>
+            <a:off x="9488329" y="486834"/>
+            <a:ext cx="2858929" cy="7749117"/>
           </a:xfrm>
         </p:spPr>
         <p:txBody>
@@ -531,8 +972,8 @@
         </p:nvSpPr>
         <p:spPr>
           <a:xfrm>
-            <a:off x="314325" y="389467"/>
-            <a:ext cx="2900363" cy="6199294"/>
+            <a:off x="911543" y="486834"/>
+            <a:ext cx="8411051" cy="7749117"/>
           </a:xfrm>
         </p:spPr>
         <p:txBody>
@@ -542,7 +983,7 @@
             <a:pPr lvl="0"/>
             <a:r>
               <a:rPr lang="en-US"/>
-              <a:t>Click to edit Master text styles</a:t>
+              <a:t>Edit Master text styles</a:t>
             </a:r>
           </a:p>
           <a:p>
@@ -591,9 +1032,9 @@
           <a:bodyPr/>
           <a:lstStyle/>
           <a:p>
-            <a:fld id="{0DE75794-736E-B143-B6EA-F6E85BE62C17}" type="datetimeFigureOut">
+            <a:fld id="{D7255102-6478-444A-A334-5416F04ED077}" type="datetimeFigureOut">
               <a:rPr lang="en-US" smtClean="0"/>
-              <a:t>9/7/23</a:t>
+              <a:t>9/19/23</a:t>
             </a:fld>
             <a:endParaRPr lang="en-US"/>
           </a:p>
@@ -633,7 +1074,7 @@
           <a:bodyPr/>
           <a:lstStyle/>
           <a:p>
-            <a:fld id="{A95857D5-9AB4-D145-959E-3D0E335D91E1}" type="slidenum">
+            <a:fld id="{117C35E1-85B3-479B-A69A-C38115CA9BAF}" type="slidenum">
               <a:rPr lang="en-US" smtClean="0"/>
               <a:t>‹#›</a:t>
             </a:fld>
@@ -644,7 +1085,7 @@
     </p:spTree>
     <p:extLst>
       <p:ext uri="{BB962C8B-B14F-4D97-AF65-F5344CB8AC3E}">
-        <p14:creationId xmlns:p14="http://schemas.microsoft.com/office/powerpoint/2010/main" val="46723804"/>
+        <p14:creationId xmlns:p14="http://schemas.microsoft.com/office/powerpoint/2010/main" val="788024782"/>
       </p:ext>
     </p:extLst>
   </p:cSld>
@@ -712,7 +1153,7 @@
             <a:pPr lvl="0"/>
             <a:r>
               <a:rPr lang="en-US"/>
-              <a:t>Click to edit Master text styles</a:t>
+              <a:t>Edit Master text styles</a:t>
             </a:r>
           </a:p>
           <a:p>
@@ -761,9 +1202,9 @@
           <a:bodyPr/>
           <a:lstStyle/>
           <a:p>
-            <a:fld id="{0DE75794-736E-B143-B6EA-F6E85BE62C17}" type="datetimeFigureOut">
+            <a:fld id="{D7255102-6478-444A-A334-5416F04ED077}" type="datetimeFigureOut">
               <a:rPr lang="en-US" smtClean="0"/>
-              <a:t>9/7/23</a:t>
+              <a:t>9/19/23</a:t>
             </a:fld>
             <a:endParaRPr lang="en-US"/>
           </a:p>
@@ -803,7 +1244,7 @@
           <a:bodyPr/>
           <a:lstStyle/>
           <a:p>
-            <a:fld id="{A95857D5-9AB4-D145-959E-3D0E335D91E1}" type="slidenum">
+            <a:fld id="{117C35E1-85B3-479B-A69A-C38115CA9BAF}" type="slidenum">
               <a:rPr lang="en-US" smtClean="0"/>
               <a:t>‹#›</a:t>
             </a:fld>
@@ -814,7 +1255,7 @@
     </p:spTree>
     <p:extLst>
       <p:ext uri="{BB962C8B-B14F-4D97-AF65-F5344CB8AC3E}">
-        <p14:creationId xmlns:p14="http://schemas.microsoft.com/office/powerpoint/2010/main" val="206608414"/>
+        <p14:creationId xmlns:p14="http://schemas.microsoft.com/office/powerpoint/2010/main" val="2590027651"/>
       </p:ext>
     </p:extLst>
   </p:cSld>
@@ -853,15 +1294,15 @@
         </p:nvSpPr>
         <p:spPr>
           <a:xfrm>
-            <a:off x="311944" y="1823722"/>
-            <a:ext cx="3943350" cy="3042919"/>
+            <a:off x="904638" y="2279653"/>
+            <a:ext cx="11435715" cy="3803649"/>
           </a:xfrm>
         </p:spPr>
         <p:txBody>
           <a:bodyPr anchor="b"/>
           <a:lstStyle>
             <a:lvl1pPr>
-              <a:defRPr sz="3000"/>
+              <a:defRPr sz="8000"/>
             </a:lvl1pPr>
           </a:lstStyle>
           <a:p>
@@ -885,8 +1326,8 @@
         </p:nvSpPr>
         <p:spPr>
           <a:xfrm>
-            <a:off x="311944" y="4895429"/>
-            <a:ext cx="3943350" cy="1600199"/>
+            <a:off x="904638" y="6119286"/>
+            <a:ext cx="11435715" cy="2000249"/>
           </a:xfrm>
         </p:spPr>
         <p:txBody>
@@ -894,15 +1335,15 @@
           <a:lstStyle>
             <a:lvl1pPr marL="0" indent="0">
               <a:buNone/>
-              <a:defRPr sz="1200">
+              <a:defRPr sz="3200">
                 <a:solidFill>
                   <a:schemeClr val="tx1"/>
                 </a:solidFill>
               </a:defRPr>
             </a:lvl1pPr>
-            <a:lvl2pPr marL="228600" indent="0">
-              <a:buNone/>
-              <a:defRPr sz="1000">
+            <a:lvl2pPr marL="609585" indent="0">
+              <a:buNone/>
+              <a:defRPr sz="2667">
                 <a:solidFill>
                   <a:schemeClr val="tx1">
                     <a:tint val="75000"/>
@@ -910,9 +1351,9 @@
                 </a:solidFill>
               </a:defRPr>
             </a:lvl2pPr>
-            <a:lvl3pPr marL="457200" indent="0">
-              <a:buNone/>
-              <a:defRPr sz="900">
+            <a:lvl3pPr marL="1219170" indent="0">
+              <a:buNone/>
+              <a:defRPr sz="2400">
                 <a:solidFill>
                   <a:schemeClr val="tx1">
                     <a:tint val="75000"/>
@@ -920,9 +1361,9 @@
                 </a:solidFill>
               </a:defRPr>
             </a:lvl3pPr>
-            <a:lvl4pPr marL="685800" indent="0">
-              <a:buNone/>
-              <a:defRPr sz="800">
+            <a:lvl4pPr marL="1828754" indent="0">
+              <a:buNone/>
+              <a:defRPr sz="2133">
                 <a:solidFill>
                   <a:schemeClr val="tx1">
                     <a:tint val="75000"/>
@@ -930,9 +1371,9 @@
                 </a:solidFill>
               </a:defRPr>
             </a:lvl4pPr>
-            <a:lvl5pPr marL="914400" indent="0">
-              <a:buNone/>
-              <a:defRPr sz="800">
+            <a:lvl5pPr marL="2438339" indent="0">
+              <a:buNone/>
+              <a:defRPr sz="2133">
                 <a:solidFill>
                   <a:schemeClr val="tx1">
                     <a:tint val="75000"/>
@@ -940,9 +1381,9 @@
                 </a:solidFill>
               </a:defRPr>
             </a:lvl5pPr>
-            <a:lvl6pPr marL="1143000" indent="0">
-              <a:buNone/>
-              <a:defRPr sz="800">
+            <a:lvl6pPr marL="3047924" indent="0">
+              <a:buNone/>
+              <a:defRPr sz="2133">
                 <a:solidFill>
                   <a:schemeClr val="tx1">
                     <a:tint val="75000"/>
@@ -950,9 +1391,9 @@
                 </a:solidFill>
               </a:defRPr>
             </a:lvl6pPr>
-            <a:lvl7pPr marL="1371600" indent="0">
-              <a:buNone/>
-              <a:defRPr sz="800">
+            <a:lvl7pPr marL="3657509" indent="0">
+              <a:buNone/>
+              <a:defRPr sz="2133">
                 <a:solidFill>
                   <a:schemeClr val="tx1">
                     <a:tint val="75000"/>
@@ -960,9 +1401,9 @@
                 </a:solidFill>
               </a:defRPr>
             </a:lvl7pPr>
-            <a:lvl8pPr marL="1600200" indent="0">
-              <a:buNone/>
-              <a:defRPr sz="800">
+            <a:lvl8pPr marL="4267093" indent="0">
+              <a:buNone/>
+              <a:defRPr sz="2133">
                 <a:solidFill>
                   <a:schemeClr val="tx1">
                     <a:tint val="75000"/>
@@ -970,9 +1411,9 @@
                 </a:solidFill>
               </a:defRPr>
             </a:lvl8pPr>
-            <a:lvl9pPr marL="1828800" indent="0">
-              <a:buNone/>
-              <a:defRPr sz="800">
+            <a:lvl9pPr marL="4876678" indent="0">
+              <a:buNone/>
+              <a:defRPr sz="2133">
                 <a:solidFill>
                   <a:schemeClr val="tx1">
                     <a:tint val="75000"/>
@@ -985,7 +1426,7 @@
             <a:pPr lvl="0"/>
             <a:r>
               <a:rPr lang="en-US"/>
-              <a:t>Click to edit Master text styles</a:t>
+              <a:t>Edit Master text styles</a:t>
             </a:r>
           </a:p>
         </p:txBody>
@@ -1005,9 +1446,9 @@
           <a:bodyPr/>
           <a:lstStyle/>
           <a:p>
-            <a:fld id="{0DE75794-736E-B143-B6EA-F6E85BE62C17}" type="datetimeFigureOut">
+            <a:fld id="{D7255102-6478-444A-A334-5416F04ED077}" type="datetimeFigureOut">
               <a:rPr lang="en-US" smtClean="0"/>
-              <a:t>9/7/23</a:t>
+              <a:t>9/19/23</a:t>
             </a:fld>
             <a:endParaRPr lang="en-US"/>
           </a:p>
@@ -1047,7 +1488,7 @@
           <a:bodyPr/>
           <a:lstStyle/>
           <a:p>
-            <a:fld id="{A95857D5-9AB4-D145-959E-3D0E335D91E1}" type="slidenum">
+            <a:fld id="{117C35E1-85B3-479B-A69A-C38115CA9BAF}" type="slidenum">
               <a:rPr lang="en-US" smtClean="0"/>
               <a:t>‹#›</a:t>
             </a:fld>
@@ -1058,7 +1499,7 @@
     </p:spTree>
     <p:extLst>
       <p:ext uri="{BB962C8B-B14F-4D97-AF65-F5344CB8AC3E}">
-        <p14:creationId xmlns:p14="http://schemas.microsoft.com/office/powerpoint/2010/main" val="4184467010"/>
+        <p14:creationId xmlns:p14="http://schemas.microsoft.com/office/powerpoint/2010/main" val="2722647036"/>
       </p:ext>
     </p:extLst>
   </p:cSld>
@@ -1120,8 +1561,8 @@
         </p:nvSpPr>
         <p:spPr>
           <a:xfrm>
-            <a:off x="314325" y="1947333"/>
-            <a:ext cx="1943100" cy="4641427"/>
+            <a:off x="911543" y="2434167"/>
+            <a:ext cx="5634990" cy="5801784"/>
           </a:xfrm>
         </p:spPr>
         <p:txBody>
@@ -1131,7 +1572,7 @@
             <a:pPr lvl="0"/>
             <a:r>
               <a:rPr lang="en-US"/>
-              <a:t>Click to edit Master text styles</a:t>
+              <a:t>Edit Master text styles</a:t>
             </a:r>
           </a:p>
           <a:p>
@@ -1177,8 +1618,8 @@
         </p:nvSpPr>
         <p:spPr>
           <a:xfrm>
-            <a:off x="2314575" y="1947333"/>
-            <a:ext cx="1943100" cy="4641427"/>
+            <a:off x="6712268" y="2434167"/>
+            <a:ext cx="5634990" cy="5801784"/>
           </a:xfrm>
         </p:spPr>
         <p:txBody>
@@ -1188,7 +1629,7 @@
             <a:pPr lvl="0"/>
             <a:r>
               <a:rPr lang="en-US"/>
-              <a:t>Click to edit Master text styles</a:t>
+              <a:t>Edit Master text styles</a:t>
             </a:r>
           </a:p>
           <a:p>
@@ -1237,9 +1678,9 @@
           <a:bodyPr/>
           <a:lstStyle/>
           <a:p>
-            <a:fld id="{0DE75794-736E-B143-B6EA-F6E85BE62C17}" type="datetimeFigureOut">
+            <a:fld id="{D7255102-6478-444A-A334-5416F04ED077}" type="datetimeFigureOut">
               <a:rPr lang="en-US" smtClean="0"/>
-              <a:t>9/7/23</a:t>
+              <a:t>9/19/23</a:t>
             </a:fld>
             <a:endParaRPr lang="en-US"/>
           </a:p>
@@ -1279,7 +1720,7 @@
           <a:bodyPr/>
           <a:lstStyle/>
           <a:p>
-            <a:fld id="{A95857D5-9AB4-D145-959E-3D0E335D91E1}" type="slidenum">
+            <a:fld id="{117C35E1-85B3-479B-A69A-C38115CA9BAF}" type="slidenum">
               <a:rPr lang="en-US" smtClean="0"/>
               <a:t>‹#›</a:t>
             </a:fld>
@@ -1290,7 +1731,7 @@
     </p:spTree>
     <p:extLst>
       <p:ext uri="{BB962C8B-B14F-4D97-AF65-F5344CB8AC3E}">
-        <p14:creationId xmlns:p14="http://schemas.microsoft.com/office/powerpoint/2010/main" val="25149032"/>
+        <p14:creationId xmlns:p14="http://schemas.microsoft.com/office/powerpoint/2010/main" val="2134268321"/>
       </p:ext>
     </p:extLst>
   </p:cSld>
@@ -1329,8 +1770,8 @@
         </p:nvSpPr>
         <p:spPr>
           <a:xfrm>
-            <a:off x="314921" y="389468"/>
-            <a:ext cx="3943350" cy="1413934"/>
+            <a:off x="913269" y="486836"/>
+            <a:ext cx="11435715" cy="1767417"/>
           </a:xfrm>
         </p:spPr>
         <p:txBody>
@@ -1357,8 +1798,8 @@
         </p:nvSpPr>
         <p:spPr>
           <a:xfrm>
-            <a:off x="314921" y="1793241"/>
-            <a:ext cx="1934170" cy="878839"/>
+            <a:off x="913271" y="2241551"/>
+            <a:ext cx="5609093" cy="1098549"/>
           </a:xfrm>
         </p:spPr>
         <p:txBody>
@@ -1366,46 +1807,46 @@
           <a:lstStyle>
             <a:lvl1pPr marL="0" indent="0">
               <a:buNone/>
-              <a:defRPr sz="1200" b="1"/>
+              <a:defRPr sz="3200" b="1"/>
             </a:lvl1pPr>
-            <a:lvl2pPr marL="228600" indent="0">
-              <a:buNone/>
-              <a:defRPr sz="1000" b="1"/>
+            <a:lvl2pPr marL="609585" indent="0">
+              <a:buNone/>
+              <a:defRPr sz="2667" b="1"/>
             </a:lvl2pPr>
-            <a:lvl3pPr marL="457200" indent="0">
-              <a:buNone/>
-              <a:defRPr sz="900" b="1"/>
+            <a:lvl3pPr marL="1219170" indent="0">
+              <a:buNone/>
+              <a:defRPr sz="2400" b="1"/>
             </a:lvl3pPr>
-            <a:lvl4pPr marL="685800" indent="0">
-              <a:buNone/>
-              <a:defRPr sz="800" b="1"/>
+            <a:lvl4pPr marL="1828754" indent="0">
+              <a:buNone/>
+              <a:defRPr sz="2133" b="1"/>
             </a:lvl4pPr>
-            <a:lvl5pPr marL="914400" indent="0">
-              <a:buNone/>
-              <a:defRPr sz="800" b="1"/>
+            <a:lvl5pPr marL="2438339" indent="0">
+              <a:buNone/>
+              <a:defRPr sz="2133" b="1"/>
             </a:lvl5pPr>
-            <a:lvl6pPr marL="1143000" indent="0">
-              <a:buNone/>
-              <a:defRPr sz="800" b="1"/>
+            <a:lvl6pPr marL="3047924" indent="0">
+              <a:buNone/>
+              <a:defRPr sz="2133" b="1"/>
             </a:lvl6pPr>
-            <a:lvl7pPr marL="1371600" indent="0">
-              <a:buNone/>
-              <a:defRPr sz="800" b="1"/>
+            <a:lvl7pPr marL="3657509" indent="0">
+              <a:buNone/>
+              <a:defRPr sz="2133" b="1"/>
             </a:lvl7pPr>
-            <a:lvl8pPr marL="1600200" indent="0">
-              <a:buNone/>
-              <a:defRPr sz="800" b="1"/>
+            <a:lvl8pPr marL="4267093" indent="0">
+              <a:buNone/>
+              <a:defRPr sz="2133" b="1"/>
             </a:lvl8pPr>
-            <a:lvl9pPr marL="1828800" indent="0">
-              <a:buNone/>
-              <a:defRPr sz="800" b="1"/>
+            <a:lvl9pPr marL="4876678" indent="0">
+              <a:buNone/>
+              <a:defRPr sz="2133" b="1"/>
             </a:lvl9pPr>
           </a:lstStyle>
           <a:p>
             <a:pPr lvl="0"/>
             <a:r>
               <a:rPr lang="en-US"/>
-              <a:t>Click to edit Master text styles</a:t>
+              <a:t>Edit Master text styles</a:t>
             </a:r>
           </a:p>
         </p:txBody>
@@ -1422,8 +1863,8 @@
         </p:nvSpPr>
         <p:spPr>
           <a:xfrm>
-            <a:off x="314921" y="2672080"/>
-            <a:ext cx="1934170" cy="3930227"/>
+            <a:off x="913271" y="3340100"/>
+            <a:ext cx="5609093" cy="4912784"/>
           </a:xfrm>
         </p:spPr>
         <p:txBody>
@@ -1433,7 +1874,7 @@
             <a:pPr lvl="0"/>
             <a:r>
               <a:rPr lang="en-US"/>
-              <a:t>Click to edit Master text styles</a:t>
+              <a:t>Edit Master text styles</a:t>
             </a:r>
           </a:p>
           <a:p>
@@ -1479,8 +1920,8 @@
         </p:nvSpPr>
         <p:spPr>
           <a:xfrm>
-            <a:off x="2314575" y="1793241"/>
-            <a:ext cx="1943696" cy="878839"/>
+            <a:off x="6712268" y="2241551"/>
+            <a:ext cx="5636717" cy="1098549"/>
           </a:xfrm>
         </p:spPr>
         <p:txBody>
@@ -1488,46 +1929,46 @@
           <a:lstStyle>
             <a:lvl1pPr marL="0" indent="0">
               <a:buNone/>
-              <a:defRPr sz="1200" b="1"/>
+              <a:defRPr sz="3200" b="1"/>
             </a:lvl1pPr>
-            <a:lvl2pPr marL="228600" indent="0">
-              <a:buNone/>
-              <a:defRPr sz="1000" b="1"/>
+            <a:lvl2pPr marL="609585" indent="0">
+              <a:buNone/>
+              <a:defRPr sz="2667" b="1"/>
             </a:lvl2pPr>
-            <a:lvl3pPr marL="457200" indent="0">
-              <a:buNone/>
-              <a:defRPr sz="900" b="1"/>
+            <a:lvl3pPr marL="1219170" indent="0">
+              <a:buNone/>
+              <a:defRPr sz="2400" b="1"/>
             </a:lvl3pPr>
-            <a:lvl4pPr marL="685800" indent="0">
-              <a:buNone/>
-              <a:defRPr sz="800" b="1"/>
+            <a:lvl4pPr marL="1828754" indent="0">
+              <a:buNone/>
+              <a:defRPr sz="2133" b="1"/>
             </a:lvl4pPr>
-            <a:lvl5pPr marL="914400" indent="0">
-              <a:buNone/>
-              <a:defRPr sz="800" b="1"/>
+            <a:lvl5pPr marL="2438339" indent="0">
+              <a:buNone/>
+              <a:defRPr sz="2133" b="1"/>
             </a:lvl5pPr>
-            <a:lvl6pPr marL="1143000" indent="0">
-              <a:buNone/>
-              <a:defRPr sz="800" b="1"/>
+            <a:lvl6pPr marL="3047924" indent="0">
+              <a:buNone/>
+              <a:defRPr sz="2133" b="1"/>
             </a:lvl6pPr>
-            <a:lvl7pPr marL="1371600" indent="0">
-              <a:buNone/>
-              <a:defRPr sz="800" b="1"/>
+            <a:lvl7pPr marL="3657509" indent="0">
+              <a:buNone/>
+              <a:defRPr sz="2133" b="1"/>
             </a:lvl7pPr>
-            <a:lvl8pPr marL="1600200" indent="0">
-              <a:buNone/>
-              <a:defRPr sz="800" b="1"/>
+            <a:lvl8pPr marL="4267093" indent="0">
+              <a:buNone/>
+              <a:defRPr sz="2133" b="1"/>
             </a:lvl8pPr>
-            <a:lvl9pPr marL="1828800" indent="0">
-              <a:buNone/>
-              <a:defRPr sz="800" b="1"/>
+            <a:lvl9pPr marL="4876678" indent="0">
+              <a:buNone/>
+              <a:defRPr sz="2133" b="1"/>
             </a:lvl9pPr>
           </a:lstStyle>
           <a:p>
             <a:pPr lvl="0"/>
             <a:r>
               <a:rPr lang="en-US"/>
-              <a:t>Click to edit Master text styles</a:t>
+              <a:t>Edit Master text styles</a:t>
             </a:r>
           </a:p>
         </p:txBody>
@@ -1544,8 +1985,8 @@
         </p:nvSpPr>
         <p:spPr>
           <a:xfrm>
-            <a:off x="2314575" y="2672080"/>
-            <a:ext cx="1943696" cy="3930227"/>
+            <a:off x="6712268" y="3340100"/>
+            <a:ext cx="5636717" cy="4912784"/>
           </a:xfrm>
         </p:spPr>
         <p:txBody>
@@ -1555,7 +1996,7 @@
             <a:pPr lvl="0"/>
             <a:r>
               <a:rPr lang="en-US"/>
-              <a:t>Click to edit Master text styles</a:t>
+              <a:t>Edit Master text styles</a:t>
             </a:r>
           </a:p>
           <a:p>
@@ -1604,9 +2045,9 @@
           <a:bodyPr/>
           <a:lstStyle/>
           <a:p>
-            <a:fld id="{0DE75794-736E-B143-B6EA-F6E85BE62C17}" type="datetimeFigureOut">
+            <a:fld id="{D7255102-6478-444A-A334-5416F04ED077}" type="datetimeFigureOut">
               <a:rPr lang="en-US" smtClean="0"/>
-              <a:t>9/7/23</a:t>
+              <a:t>9/19/23</a:t>
             </a:fld>
             <a:endParaRPr lang="en-US"/>
           </a:p>
@@ -1646,7 +2087,7 @@
           <a:bodyPr/>
           <a:lstStyle/>
           <a:p>
-            <a:fld id="{A95857D5-9AB4-D145-959E-3D0E335D91E1}" type="slidenum">
+            <a:fld id="{117C35E1-85B3-479B-A69A-C38115CA9BAF}" type="slidenum">
               <a:rPr lang="en-US" smtClean="0"/>
               <a:t>‹#›</a:t>
             </a:fld>
@@ -1657,7 +2098,7 @@
     </p:spTree>
     <p:extLst>
       <p:ext uri="{BB962C8B-B14F-4D97-AF65-F5344CB8AC3E}">
-        <p14:creationId xmlns:p14="http://schemas.microsoft.com/office/powerpoint/2010/main" val="3688708484"/>
+        <p14:creationId xmlns:p14="http://schemas.microsoft.com/office/powerpoint/2010/main" val="1079554496"/>
       </p:ext>
     </p:extLst>
   </p:cSld>
@@ -1722,9 +2163,9 @@
           <a:bodyPr/>
           <a:lstStyle/>
           <a:p>
-            <a:fld id="{0DE75794-736E-B143-B6EA-F6E85BE62C17}" type="datetimeFigureOut">
+            <a:fld id="{D7255102-6478-444A-A334-5416F04ED077}" type="datetimeFigureOut">
               <a:rPr lang="en-US" smtClean="0"/>
-              <a:t>9/7/23</a:t>
+              <a:t>9/19/23</a:t>
             </a:fld>
             <a:endParaRPr lang="en-US"/>
           </a:p>
@@ -1764,7 +2205,7 @@
           <a:bodyPr/>
           <a:lstStyle/>
           <a:p>
-            <a:fld id="{A95857D5-9AB4-D145-959E-3D0E335D91E1}" type="slidenum">
+            <a:fld id="{117C35E1-85B3-479B-A69A-C38115CA9BAF}" type="slidenum">
               <a:rPr lang="en-US" smtClean="0"/>
               <a:t>‹#›</a:t>
             </a:fld>
@@ -1775,7 +2216,7 @@
     </p:spTree>
     <p:extLst>
       <p:ext uri="{BB962C8B-B14F-4D97-AF65-F5344CB8AC3E}">
-        <p14:creationId xmlns:p14="http://schemas.microsoft.com/office/powerpoint/2010/main" val="842136642"/>
+        <p14:creationId xmlns:p14="http://schemas.microsoft.com/office/powerpoint/2010/main" val="3672803772"/>
       </p:ext>
     </p:extLst>
   </p:cSld>
@@ -1817,9 +2258,9 @@
           <a:bodyPr/>
           <a:lstStyle/>
           <a:p>
-            <a:fld id="{0DE75794-736E-B143-B6EA-F6E85BE62C17}" type="datetimeFigureOut">
+            <a:fld id="{D7255102-6478-444A-A334-5416F04ED077}" type="datetimeFigureOut">
               <a:rPr lang="en-US" smtClean="0"/>
-              <a:t>9/7/23</a:t>
+              <a:t>9/19/23</a:t>
             </a:fld>
             <a:endParaRPr lang="en-US"/>
           </a:p>
@@ -1859,7 +2300,7 @@
           <a:bodyPr/>
           <a:lstStyle/>
           <a:p>
-            <a:fld id="{A95857D5-9AB4-D145-959E-3D0E335D91E1}" type="slidenum">
+            <a:fld id="{117C35E1-85B3-479B-A69A-C38115CA9BAF}" type="slidenum">
               <a:rPr lang="en-US" smtClean="0"/>
               <a:t>‹#›</a:t>
             </a:fld>
@@ -1870,7 +2311,7 @@
     </p:spTree>
     <p:extLst>
       <p:ext uri="{BB962C8B-B14F-4D97-AF65-F5344CB8AC3E}">
-        <p14:creationId xmlns:p14="http://schemas.microsoft.com/office/powerpoint/2010/main" val="41745741"/>
+        <p14:creationId xmlns:p14="http://schemas.microsoft.com/office/powerpoint/2010/main" val="4138837045"/>
       </p:ext>
     </p:extLst>
   </p:cSld>
@@ -1909,15 +2350,15 @@
         </p:nvSpPr>
         <p:spPr>
           <a:xfrm>
-            <a:off x="314921" y="487680"/>
-            <a:ext cx="1474589" cy="1706880"/>
+            <a:off x="913270" y="609600"/>
+            <a:ext cx="4276308" cy="2133600"/>
           </a:xfrm>
         </p:spPr>
         <p:txBody>
           <a:bodyPr anchor="b"/>
           <a:lstStyle>
             <a:lvl1pPr>
-              <a:defRPr sz="1600"/>
+              <a:defRPr sz="4267"/>
             </a:lvl1pPr>
           </a:lstStyle>
           <a:p>
@@ -1941,46 +2382,46 @@
         </p:nvSpPr>
         <p:spPr>
           <a:xfrm>
-            <a:off x="1943695" y="1053255"/>
-            <a:ext cx="2314575" cy="5198533"/>
+            <a:off x="5636717" y="1316569"/>
+            <a:ext cx="6712268" cy="6498167"/>
           </a:xfrm>
         </p:spPr>
         <p:txBody>
           <a:bodyPr/>
           <a:lstStyle>
             <a:lvl1pPr>
-              <a:defRPr sz="1600"/>
+              <a:defRPr sz="4267"/>
             </a:lvl1pPr>
             <a:lvl2pPr>
-              <a:defRPr sz="1400"/>
+              <a:defRPr sz="3733"/>
             </a:lvl2pPr>
             <a:lvl3pPr>
-              <a:defRPr sz="1200"/>
+              <a:defRPr sz="3200"/>
             </a:lvl3pPr>
             <a:lvl4pPr>
-              <a:defRPr sz="1000"/>
+              <a:defRPr sz="2667"/>
             </a:lvl4pPr>
             <a:lvl5pPr>
-              <a:defRPr sz="1000"/>
+              <a:defRPr sz="2667"/>
             </a:lvl5pPr>
             <a:lvl6pPr>
-              <a:defRPr sz="1000"/>
+              <a:defRPr sz="2667"/>
             </a:lvl6pPr>
             <a:lvl7pPr>
-              <a:defRPr sz="1000"/>
+              <a:defRPr sz="2667"/>
             </a:lvl7pPr>
             <a:lvl8pPr>
-              <a:defRPr sz="1000"/>
+              <a:defRPr sz="2667"/>
             </a:lvl8pPr>
             <a:lvl9pPr>
-              <a:defRPr sz="1000"/>
+              <a:defRPr sz="2667"/>
             </a:lvl9pPr>
           </a:lstStyle>
           <a:p>
             <a:pPr lvl="0"/>
             <a:r>
               <a:rPr lang="en-US"/>
-              <a:t>Click to edit Master text styles</a:t>
+              <a:t>Edit Master text styles</a:t>
             </a:r>
           </a:p>
           <a:p>
@@ -2026,8 +2467,8 @@
         </p:nvSpPr>
         <p:spPr>
           <a:xfrm>
-            <a:off x="314921" y="2194560"/>
-            <a:ext cx="1474589" cy="4065694"/>
+            <a:off x="913270" y="2743200"/>
+            <a:ext cx="4276308" cy="5082117"/>
           </a:xfrm>
         </p:spPr>
         <p:txBody>
@@ -2035,46 +2476,46 @@
           <a:lstStyle>
             <a:lvl1pPr marL="0" indent="0">
               <a:buNone/>
-              <a:defRPr sz="800"/>
+              <a:defRPr sz="2133"/>
             </a:lvl1pPr>
-            <a:lvl2pPr marL="228600" indent="0">
-              <a:buNone/>
-              <a:defRPr sz="700"/>
+            <a:lvl2pPr marL="609585" indent="0">
+              <a:buNone/>
+              <a:defRPr sz="1867"/>
             </a:lvl2pPr>
-            <a:lvl3pPr marL="457200" indent="0">
-              <a:buNone/>
-              <a:defRPr sz="600"/>
+            <a:lvl3pPr marL="1219170" indent="0">
+              <a:buNone/>
+              <a:defRPr sz="1600"/>
             </a:lvl3pPr>
-            <a:lvl4pPr marL="685800" indent="0">
-              <a:buNone/>
-              <a:defRPr sz="500"/>
+            <a:lvl4pPr marL="1828754" indent="0">
+              <a:buNone/>
+              <a:defRPr sz="1333"/>
             </a:lvl4pPr>
-            <a:lvl5pPr marL="914400" indent="0">
-              <a:buNone/>
-              <a:defRPr sz="500"/>
+            <a:lvl5pPr marL="2438339" indent="0">
+              <a:buNone/>
+              <a:defRPr sz="1333"/>
             </a:lvl5pPr>
-            <a:lvl6pPr marL="1143000" indent="0">
-              <a:buNone/>
-              <a:defRPr sz="500"/>
+            <a:lvl6pPr marL="3047924" indent="0">
+              <a:buNone/>
+              <a:defRPr sz="1333"/>
             </a:lvl6pPr>
-            <a:lvl7pPr marL="1371600" indent="0">
-              <a:buNone/>
-              <a:defRPr sz="500"/>
+            <a:lvl7pPr marL="3657509" indent="0">
+              <a:buNone/>
+              <a:defRPr sz="1333"/>
             </a:lvl7pPr>
-            <a:lvl8pPr marL="1600200" indent="0">
-              <a:buNone/>
-              <a:defRPr sz="500"/>
+            <a:lvl8pPr marL="4267093" indent="0">
+              <a:buNone/>
+              <a:defRPr sz="1333"/>
             </a:lvl8pPr>
-            <a:lvl9pPr marL="1828800" indent="0">
-              <a:buNone/>
-              <a:defRPr sz="500"/>
+            <a:lvl9pPr marL="4876678" indent="0">
+              <a:buNone/>
+              <a:defRPr sz="1333"/>
             </a:lvl9pPr>
           </a:lstStyle>
           <a:p>
             <a:pPr lvl="0"/>
             <a:r>
               <a:rPr lang="en-US"/>
-              <a:t>Click to edit Master text styles</a:t>
+              <a:t>Edit Master text styles</a:t>
             </a:r>
           </a:p>
         </p:txBody>
@@ -2094,9 +2535,9 @@
           <a:bodyPr/>
           <a:lstStyle/>
           <a:p>
-            <a:fld id="{0DE75794-736E-B143-B6EA-F6E85BE62C17}" type="datetimeFigureOut">
+            <a:fld id="{D7255102-6478-444A-A334-5416F04ED077}" type="datetimeFigureOut">
               <a:rPr lang="en-US" smtClean="0"/>
-              <a:t>9/7/23</a:t>
+              <a:t>9/19/23</a:t>
             </a:fld>
             <a:endParaRPr lang="en-US"/>
           </a:p>
@@ -2136,7 +2577,7 @@
           <a:bodyPr/>
           <a:lstStyle/>
           <a:p>
-            <a:fld id="{A95857D5-9AB4-D145-959E-3D0E335D91E1}" type="slidenum">
+            <a:fld id="{117C35E1-85B3-479B-A69A-C38115CA9BAF}" type="slidenum">
               <a:rPr lang="en-US" smtClean="0"/>
               <a:t>‹#›</a:t>
             </a:fld>
@@ -2147,7 +2588,7 @@
     </p:spTree>
     <p:extLst>
       <p:ext uri="{BB962C8B-B14F-4D97-AF65-F5344CB8AC3E}">
-        <p14:creationId xmlns:p14="http://schemas.microsoft.com/office/powerpoint/2010/main" val="2631623599"/>
+        <p14:creationId xmlns:p14="http://schemas.microsoft.com/office/powerpoint/2010/main" val="714204059"/>
       </p:ext>
     </p:extLst>
   </p:cSld>
@@ -2186,15 +2627,15 @@
         </p:nvSpPr>
         <p:spPr>
           <a:xfrm>
-            <a:off x="314921" y="487680"/>
-            <a:ext cx="1474589" cy="1706880"/>
+            <a:off x="913270" y="609600"/>
+            <a:ext cx="4276308" cy="2133600"/>
           </a:xfrm>
         </p:spPr>
         <p:txBody>
           <a:bodyPr anchor="b"/>
           <a:lstStyle>
             <a:lvl1pPr>
-              <a:defRPr sz="1600"/>
+              <a:defRPr sz="4267"/>
             </a:lvl1pPr>
           </a:lstStyle>
           <a:p>
@@ -2218,8 +2659,8 @@
         </p:nvSpPr>
         <p:spPr>
           <a:xfrm>
-            <a:off x="1943695" y="1053255"/>
-            <a:ext cx="2314575" cy="5198533"/>
+            <a:off x="5636717" y="1316569"/>
+            <a:ext cx="6712268" cy="6498167"/>
           </a:xfrm>
         </p:spPr>
         <p:txBody>
@@ -2227,39 +2668,39 @@
           <a:lstStyle>
             <a:lvl1pPr marL="0" indent="0">
               <a:buNone/>
-              <a:defRPr sz="1600"/>
+              <a:defRPr sz="4267"/>
             </a:lvl1pPr>
-            <a:lvl2pPr marL="228600" indent="0">
-              <a:buNone/>
-              <a:defRPr sz="1400"/>
+            <a:lvl2pPr marL="609585" indent="0">
+              <a:buNone/>
+              <a:defRPr sz="3733"/>
             </a:lvl2pPr>
-            <a:lvl3pPr marL="457200" indent="0">
-              <a:buNone/>
-              <a:defRPr sz="1200"/>
+            <a:lvl3pPr marL="1219170" indent="0">
+              <a:buNone/>
+              <a:defRPr sz="3200"/>
             </a:lvl3pPr>
-            <a:lvl4pPr marL="685800" indent="0">
-              <a:buNone/>
-              <a:defRPr sz="1000"/>
+            <a:lvl4pPr marL="1828754" indent="0">
+              <a:buNone/>
+              <a:defRPr sz="2667"/>
             </a:lvl4pPr>
-            <a:lvl5pPr marL="914400" indent="0">
-              <a:buNone/>
-              <a:defRPr sz="1000"/>
+            <a:lvl5pPr marL="2438339" indent="0">
+              <a:buNone/>
+              <a:defRPr sz="2667"/>
             </a:lvl5pPr>
-            <a:lvl6pPr marL="1143000" indent="0">
-              <a:buNone/>
-              <a:defRPr sz="1000"/>
+            <a:lvl6pPr marL="3047924" indent="0">
+              <a:buNone/>
+              <a:defRPr sz="2667"/>
             </a:lvl6pPr>
-            <a:lvl7pPr marL="1371600" indent="0">
-              <a:buNone/>
-              <a:defRPr sz="1000"/>
+            <a:lvl7pPr marL="3657509" indent="0">
+              <a:buNone/>
+              <a:defRPr sz="2667"/>
             </a:lvl7pPr>
-            <a:lvl8pPr marL="1600200" indent="0">
-              <a:buNone/>
-              <a:defRPr sz="1000"/>
+            <a:lvl8pPr marL="4267093" indent="0">
+              <a:buNone/>
+              <a:defRPr sz="2667"/>
             </a:lvl8pPr>
-            <a:lvl9pPr marL="1828800" indent="0">
-              <a:buNone/>
-              <a:defRPr sz="1000"/>
+            <a:lvl9pPr marL="4876678" indent="0">
+              <a:buNone/>
+              <a:defRPr sz="2667"/>
             </a:lvl9pPr>
           </a:lstStyle>
           <a:p>
@@ -2283,8 +2724,8 @@
         </p:nvSpPr>
         <p:spPr>
           <a:xfrm>
-            <a:off x="314921" y="2194560"/>
-            <a:ext cx="1474589" cy="4065694"/>
+            <a:off x="913270" y="2743200"/>
+            <a:ext cx="4276308" cy="5082117"/>
           </a:xfrm>
         </p:spPr>
         <p:txBody>
@@ -2292,46 +2733,46 @@
           <a:lstStyle>
             <a:lvl1pPr marL="0" indent="0">
               <a:buNone/>
-              <a:defRPr sz="800"/>
+              <a:defRPr sz="2133"/>
             </a:lvl1pPr>
-            <a:lvl2pPr marL="228600" indent="0">
-              <a:buNone/>
-              <a:defRPr sz="700"/>
+            <a:lvl2pPr marL="609585" indent="0">
+              <a:buNone/>
+              <a:defRPr sz="1867"/>
             </a:lvl2pPr>
-            <a:lvl3pPr marL="457200" indent="0">
-              <a:buNone/>
-              <a:defRPr sz="600"/>
+            <a:lvl3pPr marL="1219170" indent="0">
+              <a:buNone/>
+              <a:defRPr sz="1600"/>
             </a:lvl3pPr>
-            <a:lvl4pPr marL="685800" indent="0">
-              <a:buNone/>
-              <a:defRPr sz="500"/>
+            <a:lvl4pPr marL="1828754" indent="0">
+              <a:buNone/>
+              <a:defRPr sz="1333"/>
             </a:lvl4pPr>
-            <a:lvl5pPr marL="914400" indent="0">
-              <a:buNone/>
-              <a:defRPr sz="500"/>
+            <a:lvl5pPr marL="2438339" indent="0">
+              <a:buNone/>
+              <a:defRPr sz="1333"/>
             </a:lvl5pPr>
-            <a:lvl6pPr marL="1143000" indent="0">
-              <a:buNone/>
-              <a:defRPr sz="500"/>
+            <a:lvl6pPr marL="3047924" indent="0">
+              <a:buNone/>
+              <a:defRPr sz="1333"/>
             </a:lvl6pPr>
-            <a:lvl7pPr marL="1371600" indent="0">
-              <a:buNone/>
-              <a:defRPr sz="500"/>
+            <a:lvl7pPr marL="3657509" indent="0">
+              <a:buNone/>
+              <a:defRPr sz="1333"/>
             </a:lvl7pPr>
-            <a:lvl8pPr marL="1600200" indent="0">
-              <a:buNone/>
-              <a:defRPr sz="500"/>
+            <a:lvl8pPr marL="4267093" indent="0">
+              <a:buNone/>
+              <a:defRPr sz="1333"/>
             </a:lvl8pPr>
-            <a:lvl9pPr marL="1828800" indent="0">
-              <a:buNone/>
-              <a:defRPr sz="500"/>
+            <a:lvl9pPr marL="4876678" indent="0">
+              <a:buNone/>
+              <a:defRPr sz="1333"/>
             </a:lvl9pPr>
           </a:lstStyle>
           <a:p>
             <a:pPr lvl="0"/>
             <a:r>
               <a:rPr lang="en-US"/>
-              <a:t>Click to edit Master text styles</a:t>
+              <a:t>Edit Master text styles</a:t>
             </a:r>
           </a:p>
         </p:txBody>
@@ -2351,9 +2792,9 @@
           <a:bodyPr/>
           <a:lstStyle/>
           <a:p>
-            <a:fld id="{0DE75794-736E-B143-B6EA-F6E85BE62C17}" type="datetimeFigureOut">
+            <a:fld id="{D7255102-6478-444A-A334-5416F04ED077}" type="datetimeFigureOut">
               <a:rPr lang="en-US" smtClean="0"/>
-              <a:t>9/7/23</a:t>
+              <a:t>9/19/23</a:t>
             </a:fld>
             <a:endParaRPr lang="en-US"/>
           </a:p>
@@ -2393,7 +2834,7 @@
           <a:bodyPr/>
           <a:lstStyle/>
           <a:p>
-            <a:fld id="{A95857D5-9AB4-D145-959E-3D0E335D91E1}" type="slidenum">
+            <a:fld id="{117C35E1-85B3-479B-A69A-C38115CA9BAF}" type="slidenum">
               <a:rPr lang="en-US" smtClean="0"/>
               <a:t>‹#›</a:t>
             </a:fld>
@@ -2404,7 +2845,7 @@
     </p:spTree>
     <p:extLst>
       <p:ext uri="{BB962C8B-B14F-4D97-AF65-F5344CB8AC3E}">
-        <p14:creationId xmlns:p14="http://schemas.microsoft.com/office/powerpoint/2010/main" val="2474149553"/>
+        <p14:creationId xmlns:p14="http://schemas.microsoft.com/office/powerpoint/2010/main" val="345042655"/>
       </p:ext>
     </p:extLst>
   </p:cSld>
@@ -2448,8 +2889,8 @@
         </p:nvSpPr>
         <p:spPr>
           <a:xfrm>
-            <a:off x="314325" y="389468"/>
-            <a:ext cx="3943350" cy="1413934"/>
+            <a:off x="911543" y="486836"/>
+            <a:ext cx="11435715" cy="1767417"/>
           </a:xfrm>
           <a:prstGeom prst="rect">
             <a:avLst/>
@@ -2481,8 +2922,8 @@
         </p:nvSpPr>
         <p:spPr>
           <a:xfrm>
-            <a:off x="314325" y="1947333"/>
-            <a:ext cx="3943350" cy="4641427"/>
+            <a:off x="911543" y="2434167"/>
+            <a:ext cx="11435715" cy="5801784"/>
           </a:xfrm>
           <a:prstGeom prst="rect">
             <a:avLst/>
@@ -2497,7 +2938,7 @@
             <a:pPr lvl="0"/>
             <a:r>
               <a:rPr lang="en-US"/>
-              <a:t>Click to edit Master text styles</a:t>
+              <a:t>Edit Master text styles</a:t>
             </a:r>
           </a:p>
           <a:p>
@@ -2543,8 +2984,8 @@
         </p:nvSpPr>
         <p:spPr>
           <a:xfrm>
-            <a:off x="314325" y="6780108"/>
-            <a:ext cx="1028700" cy="389467"/>
+            <a:off x="911543" y="8475136"/>
+            <a:ext cx="2983230" cy="486833"/>
           </a:xfrm>
           <a:prstGeom prst="rect">
             <a:avLst/>
@@ -2554,7 +2995,7 @@
           <a:bodyPr vert="horz" lIns="91440" tIns="45720" rIns="91440" bIns="45720" rtlCol="0" anchor="ctr"/>
           <a:lstStyle>
             <a:lvl1pPr algn="l">
-              <a:defRPr sz="600">
+              <a:defRPr sz="1600">
                 <a:solidFill>
                   <a:schemeClr val="tx1">
                     <a:tint val="75000"/>
@@ -2564,9 +3005,9 @@
             </a:lvl1pPr>
           </a:lstStyle>
           <a:p>
-            <a:fld id="{0DE75794-736E-B143-B6EA-F6E85BE62C17}" type="datetimeFigureOut">
+            <a:fld id="{D7255102-6478-444A-A334-5416F04ED077}" type="datetimeFigureOut">
               <a:rPr lang="en-US" smtClean="0"/>
-              <a:t>9/7/23</a:t>
+              <a:t>9/19/23</a:t>
             </a:fld>
             <a:endParaRPr lang="en-US"/>
           </a:p>
@@ -2584,8 +3025,8 @@
         </p:nvSpPr>
         <p:spPr>
           <a:xfrm>
-            <a:off x="1514475" y="6780108"/>
-            <a:ext cx="1543050" cy="389467"/>
+            <a:off x="4391978" y="8475136"/>
+            <a:ext cx="4474845" cy="486833"/>
           </a:xfrm>
           <a:prstGeom prst="rect">
             <a:avLst/>
@@ -2595,7 +3036,7 @@
           <a:bodyPr vert="horz" lIns="91440" tIns="45720" rIns="91440" bIns="45720" rtlCol="0" anchor="ctr"/>
           <a:lstStyle>
             <a:lvl1pPr algn="ctr">
-              <a:defRPr sz="600">
+              <a:defRPr sz="1600">
                 <a:solidFill>
                   <a:schemeClr val="tx1">
                     <a:tint val="75000"/>
@@ -2621,8 +3062,8 @@
         </p:nvSpPr>
         <p:spPr>
           <a:xfrm>
-            <a:off x="3228975" y="6780108"/>
-            <a:ext cx="1028700" cy="389467"/>
+            <a:off x="9364028" y="8475136"/>
+            <a:ext cx="2983230" cy="486833"/>
           </a:xfrm>
           <a:prstGeom prst="rect">
             <a:avLst/>
@@ -2632,7 +3073,7 @@
           <a:bodyPr vert="horz" lIns="91440" tIns="45720" rIns="91440" bIns="45720" rtlCol="0" anchor="ctr"/>
           <a:lstStyle>
             <a:lvl1pPr algn="r">
-              <a:defRPr sz="600">
+              <a:defRPr sz="1600">
                 <a:solidFill>
                   <a:schemeClr val="tx1">
                     <a:tint val="75000"/>
@@ -2642,7 +3083,7 @@
             </a:lvl1pPr>
           </a:lstStyle>
           <a:p>
-            <a:fld id="{A95857D5-9AB4-D145-959E-3D0E335D91E1}" type="slidenum">
+            <a:fld id="{117C35E1-85B3-479B-A69A-C38115CA9BAF}" type="slidenum">
               <a:rPr lang="en-US" smtClean="0"/>
               <a:t>‹#›</a:t>
             </a:fld>
@@ -2653,27 +3094,27 @@
     </p:spTree>
     <p:extLst>
       <p:ext uri="{BB962C8B-B14F-4D97-AF65-F5344CB8AC3E}">
-        <p14:creationId xmlns:p14="http://schemas.microsoft.com/office/powerpoint/2010/main" val="3048542134"/>
+        <p14:creationId xmlns:p14="http://schemas.microsoft.com/office/powerpoint/2010/main" val="3287768960"/>
       </p:ext>
     </p:extLst>
   </p:cSld>
   <p:clrMap bg1="lt1" tx1="dk1" bg2="lt2" tx2="dk2" accent1="accent1" accent2="accent2" accent3="accent3" accent4="accent4" accent5="accent5" accent6="accent6" hlink="hlink" folHlink="folHlink"/>
   <p:sldLayoutIdLst>
-    <p:sldLayoutId id="2147483673" r:id="rId1"/>
-    <p:sldLayoutId id="2147483674" r:id="rId2"/>
-    <p:sldLayoutId id="2147483675" r:id="rId3"/>
-    <p:sldLayoutId id="2147483676" r:id="rId4"/>
-    <p:sldLayoutId id="2147483677" r:id="rId5"/>
-    <p:sldLayoutId id="2147483678" r:id="rId6"/>
-    <p:sldLayoutId id="2147483679" r:id="rId7"/>
-    <p:sldLayoutId id="2147483680" r:id="rId8"/>
-    <p:sldLayoutId id="2147483681" r:id="rId9"/>
-    <p:sldLayoutId id="2147483682" r:id="rId10"/>
-    <p:sldLayoutId id="2147483683" r:id="rId11"/>
+    <p:sldLayoutId id="2147483781" r:id="rId1"/>
+    <p:sldLayoutId id="2147483782" r:id="rId2"/>
+    <p:sldLayoutId id="2147483783" r:id="rId3"/>
+    <p:sldLayoutId id="2147483784" r:id="rId4"/>
+    <p:sldLayoutId id="2147483785" r:id="rId5"/>
+    <p:sldLayoutId id="2147483786" r:id="rId6"/>
+    <p:sldLayoutId id="2147483787" r:id="rId7"/>
+    <p:sldLayoutId id="2147483788" r:id="rId8"/>
+    <p:sldLayoutId id="2147483789" r:id="rId9"/>
+    <p:sldLayoutId id="2147483790" r:id="rId10"/>
+    <p:sldLayoutId id="2147483791" r:id="rId11"/>
   </p:sldLayoutIdLst>
   <p:txStyles>
     <p:titleStyle>
-      <a:lvl1pPr algn="l" defTabSz="457200" rtl="0" eaLnBrk="1" latinLnBrk="0" hangingPunct="1">
+      <a:lvl1pPr algn="l" defTabSz="1219170" rtl="0" eaLnBrk="1" latinLnBrk="0" hangingPunct="1">
         <a:lnSpc>
           <a:spcPct val="90000"/>
         </a:lnSpc>
@@ -2681,7 +3122,7 @@
           <a:spcPct val="0"/>
         </a:spcBef>
         <a:buNone/>
-        <a:defRPr sz="2200" kern="1200">
+        <a:defRPr sz="5867" kern="1200">
           <a:solidFill>
             <a:schemeClr val="tx1"/>
           </a:solidFill>
@@ -2692,16 +3133,16 @@
       </a:lvl1pPr>
     </p:titleStyle>
     <p:bodyStyle>
-      <a:lvl1pPr marL="114300" indent="-114300" algn="l" defTabSz="457200" rtl="0" eaLnBrk="1" latinLnBrk="0" hangingPunct="1">
+      <a:lvl1pPr marL="304792" indent="-304792" algn="l" defTabSz="1219170" rtl="0" eaLnBrk="1" latinLnBrk="0" hangingPunct="1">
         <a:lnSpc>
           <a:spcPct val="90000"/>
         </a:lnSpc>
         <a:spcBef>
-          <a:spcPts val="500"/>
+          <a:spcPts val="1333"/>
         </a:spcBef>
         <a:buFont typeface="Arial" panose="020B0604020202020204" pitchFamily="34" charset="0"/>
         <a:buChar char="•"/>
-        <a:defRPr sz="1400" kern="1200">
+        <a:defRPr sz="3733" kern="1200">
           <a:solidFill>
             <a:schemeClr val="tx1"/>
           </a:solidFill>
@@ -2710,16 +3151,16 @@
           <a:cs typeface="+mn-cs"/>
         </a:defRPr>
       </a:lvl1pPr>
-      <a:lvl2pPr marL="342900" indent="-114300" algn="l" defTabSz="457200" rtl="0" eaLnBrk="1" latinLnBrk="0" hangingPunct="1">
+      <a:lvl2pPr marL="914377" indent="-304792" algn="l" defTabSz="1219170" rtl="0" eaLnBrk="1" latinLnBrk="0" hangingPunct="1">
         <a:lnSpc>
           <a:spcPct val="90000"/>
         </a:lnSpc>
         <a:spcBef>
-          <a:spcPts val="250"/>
+          <a:spcPts val="667"/>
         </a:spcBef>
         <a:buFont typeface="Arial" panose="020B0604020202020204" pitchFamily="34" charset="0"/>
         <a:buChar char="•"/>
-        <a:defRPr sz="1200" kern="1200">
+        <a:defRPr sz="3200" kern="1200">
           <a:solidFill>
             <a:schemeClr val="tx1"/>
           </a:solidFill>
@@ -2728,16 +3169,16 @@
           <a:cs typeface="+mn-cs"/>
         </a:defRPr>
       </a:lvl2pPr>
-      <a:lvl3pPr marL="571500" indent="-114300" algn="l" defTabSz="457200" rtl="0" eaLnBrk="1" latinLnBrk="0" hangingPunct="1">
+      <a:lvl3pPr marL="1523962" indent="-304792" algn="l" defTabSz="1219170" rtl="0" eaLnBrk="1" latinLnBrk="0" hangingPunct="1">
         <a:lnSpc>
           <a:spcPct val="90000"/>
         </a:lnSpc>
         <a:spcBef>
-          <a:spcPts val="250"/>
+          <a:spcPts val="667"/>
         </a:spcBef>
         <a:buFont typeface="Arial" panose="020B0604020202020204" pitchFamily="34" charset="0"/>
         <a:buChar char="•"/>
-        <a:defRPr sz="1000" kern="1200">
+        <a:defRPr sz="2667" kern="1200">
           <a:solidFill>
             <a:schemeClr val="tx1"/>
           </a:solidFill>
@@ -2746,16 +3187,16 @@
           <a:cs typeface="+mn-cs"/>
         </a:defRPr>
       </a:lvl3pPr>
-      <a:lvl4pPr marL="800100" indent="-114300" algn="l" defTabSz="457200" rtl="0" eaLnBrk="1" latinLnBrk="0" hangingPunct="1">
+      <a:lvl4pPr marL="2133547" indent="-304792" algn="l" defTabSz="1219170" rtl="0" eaLnBrk="1" latinLnBrk="0" hangingPunct="1">
         <a:lnSpc>
           <a:spcPct val="90000"/>
         </a:lnSpc>
         <a:spcBef>
-          <a:spcPts val="250"/>
+          <a:spcPts val="667"/>
         </a:spcBef>
         <a:buFont typeface="Arial" panose="020B0604020202020204" pitchFamily="34" charset="0"/>
         <a:buChar char="•"/>
-        <a:defRPr sz="900" kern="1200">
+        <a:defRPr sz="2400" kern="1200">
           <a:solidFill>
             <a:schemeClr val="tx1"/>
           </a:solidFill>
@@ -2764,16 +3205,16 @@
           <a:cs typeface="+mn-cs"/>
         </a:defRPr>
       </a:lvl4pPr>
-      <a:lvl5pPr marL="1028700" indent="-114300" algn="l" defTabSz="457200" rtl="0" eaLnBrk="1" latinLnBrk="0" hangingPunct="1">
+      <a:lvl5pPr marL="2743131" indent="-304792" algn="l" defTabSz="1219170" rtl="0" eaLnBrk="1" latinLnBrk="0" hangingPunct="1">
         <a:lnSpc>
           <a:spcPct val="90000"/>
         </a:lnSpc>
         <a:spcBef>
-          <a:spcPts val="250"/>
+          <a:spcPts val="667"/>
         </a:spcBef>
         <a:buFont typeface="Arial" panose="020B0604020202020204" pitchFamily="34" charset="0"/>
         <a:buChar char="•"/>
-        <a:defRPr sz="900" kern="1200">
+        <a:defRPr sz="2400" kern="1200">
           <a:solidFill>
             <a:schemeClr val="tx1"/>
           </a:solidFill>
@@ -2782,16 +3223,16 @@
           <a:cs typeface="+mn-cs"/>
         </a:defRPr>
       </a:lvl5pPr>
-      <a:lvl6pPr marL="1257300" indent="-114300" algn="l" defTabSz="457200" rtl="0" eaLnBrk="1" latinLnBrk="0" hangingPunct="1">
+      <a:lvl6pPr marL="3352716" indent="-304792" algn="l" defTabSz="1219170" rtl="0" eaLnBrk="1" latinLnBrk="0" hangingPunct="1">
         <a:lnSpc>
           <a:spcPct val="90000"/>
         </a:lnSpc>
         <a:spcBef>
-          <a:spcPts val="250"/>
+          <a:spcPts val="667"/>
         </a:spcBef>
         <a:buFont typeface="Arial" panose="020B0604020202020204" pitchFamily="34" charset="0"/>
         <a:buChar char="•"/>
-        <a:defRPr sz="900" kern="1200">
+        <a:defRPr sz="2400" kern="1200">
           <a:solidFill>
             <a:schemeClr val="tx1"/>
           </a:solidFill>
@@ -2800,16 +3241,16 @@
           <a:cs typeface="+mn-cs"/>
         </a:defRPr>
       </a:lvl6pPr>
-      <a:lvl7pPr marL="1485900" indent="-114300" algn="l" defTabSz="457200" rtl="0" eaLnBrk="1" latinLnBrk="0" hangingPunct="1">
+      <a:lvl7pPr marL="3962301" indent="-304792" algn="l" defTabSz="1219170" rtl="0" eaLnBrk="1" latinLnBrk="0" hangingPunct="1">
         <a:lnSpc>
           <a:spcPct val="90000"/>
         </a:lnSpc>
         <a:spcBef>
-          <a:spcPts val="250"/>
+          <a:spcPts val="667"/>
         </a:spcBef>
         <a:buFont typeface="Arial" panose="020B0604020202020204" pitchFamily="34" charset="0"/>
         <a:buChar char="•"/>
-        <a:defRPr sz="900" kern="1200">
+        <a:defRPr sz="2400" kern="1200">
           <a:solidFill>
             <a:schemeClr val="tx1"/>
           </a:solidFill>
@@ -2818,16 +3259,16 @@
           <a:cs typeface="+mn-cs"/>
         </a:defRPr>
       </a:lvl7pPr>
-      <a:lvl8pPr marL="1714500" indent="-114300" algn="l" defTabSz="457200" rtl="0" eaLnBrk="1" latinLnBrk="0" hangingPunct="1">
+      <a:lvl8pPr marL="4571886" indent="-304792" algn="l" defTabSz="1219170" rtl="0" eaLnBrk="1" latinLnBrk="0" hangingPunct="1">
         <a:lnSpc>
           <a:spcPct val="90000"/>
         </a:lnSpc>
         <a:spcBef>
-          <a:spcPts val="250"/>
+          <a:spcPts val="667"/>
         </a:spcBef>
         <a:buFont typeface="Arial" panose="020B0604020202020204" pitchFamily="34" charset="0"/>
         <a:buChar char="•"/>
-        <a:defRPr sz="900" kern="1200">
+        <a:defRPr sz="2400" kern="1200">
           <a:solidFill>
             <a:schemeClr val="tx1"/>
           </a:solidFill>
@@ -2836,16 +3277,16 @@
           <a:cs typeface="+mn-cs"/>
         </a:defRPr>
       </a:lvl8pPr>
-      <a:lvl9pPr marL="1943100" indent="-114300" algn="l" defTabSz="457200" rtl="0" eaLnBrk="1" latinLnBrk="0" hangingPunct="1">
+      <a:lvl9pPr marL="5181470" indent="-304792" algn="l" defTabSz="1219170" rtl="0" eaLnBrk="1" latinLnBrk="0" hangingPunct="1">
         <a:lnSpc>
           <a:spcPct val="90000"/>
         </a:lnSpc>
         <a:spcBef>
-          <a:spcPts val="250"/>
+          <a:spcPts val="667"/>
         </a:spcBef>
         <a:buFont typeface="Arial" panose="020B0604020202020204" pitchFamily="34" charset="0"/>
         <a:buChar char="•"/>
-        <a:defRPr sz="900" kern="1200">
+        <a:defRPr sz="2400" kern="1200">
           <a:solidFill>
             <a:schemeClr val="tx1"/>
           </a:solidFill>
@@ -2859,8 +3300,8 @@
       <a:defPPr>
         <a:defRPr lang="en-US"/>
       </a:defPPr>
-      <a:lvl1pPr marL="0" algn="l" defTabSz="457200" rtl="0" eaLnBrk="1" latinLnBrk="0" hangingPunct="1">
-        <a:defRPr sz="900" kern="1200">
+      <a:lvl1pPr marL="0" algn="l" defTabSz="1219170" rtl="0" eaLnBrk="1" latinLnBrk="0" hangingPunct="1">
+        <a:defRPr sz="2400" kern="1200">
           <a:solidFill>
             <a:schemeClr val="tx1"/>
           </a:solidFill>
@@ -2869,8 +3310,8 @@
           <a:cs typeface="+mn-cs"/>
         </a:defRPr>
       </a:lvl1pPr>
-      <a:lvl2pPr marL="228600" algn="l" defTabSz="457200" rtl="0" eaLnBrk="1" latinLnBrk="0" hangingPunct="1">
-        <a:defRPr sz="900" kern="1200">
+      <a:lvl2pPr marL="609585" algn="l" defTabSz="1219170" rtl="0" eaLnBrk="1" latinLnBrk="0" hangingPunct="1">
+        <a:defRPr sz="2400" kern="1200">
           <a:solidFill>
             <a:schemeClr val="tx1"/>
           </a:solidFill>
@@ -2879,8 +3320,8 @@
           <a:cs typeface="+mn-cs"/>
         </a:defRPr>
       </a:lvl2pPr>
-      <a:lvl3pPr marL="457200" algn="l" defTabSz="457200" rtl="0" eaLnBrk="1" latinLnBrk="0" hangingPunct="1">
-        <a:defRPr sz="900" kern="1200">
+      <a:lvl3pPr marL="1219170" algn="l" defTabSz="1219170" rtl="0" eaLnBrk="1" latinLnBrk="0" hangingPunct="1">
+        <a:defRPr sz="2400" kern="1200">
           <a:solidFill>
             <a:schemeClr val="tx1"/>
           </a:solidFill>
@@ -2889,8 +3330,8 @@
           <a:cs typeface="+mn-cs"/>
         </a:defRPr>
       </a:lvl3pPr>
-      <a:lvl4pPr marL="685800" algn="l" defTabSz="457200" rtl="0" eaLnBrk="1" latinLnBrk="0" hangingPunct="1">
-        <a:defRPr sz="900" kern="1200">
+      <a:lvl4pPr marL="1828754" algn="l" defTabSz="1219170" rtl="0" eaLnBrk="1" latinLnBrk="0" hangingPunct="1">
+        <a:defRPr sz="2400" kern="1200">
           <a:solidFill>
             <a:schemeClr val="tx1"/>
           </a:solidFill>
@@ -2899,8 +3340,8 @@
           <a:cs typeface="+mn-cs"/>
         </a:defRPr>
       </a:lvl4pPr>
-      <a:lvl5pPr marL="914400" algn="l" defTabSz="457200" rtl="0" eaLnBrk="1" latinLnBrk="0" hangingPunct="1">
-        <a:defRPr sz="900" kern="1200">
+      <a:lvl5pPr marL="2438339" algn="l" defTabSz="1219170" rtl="0" eaLnBrk="1" latinLnBrk="0" hangingPunct="1">
+        <a:defRPr sz="2400" kern="1200">
           <a:solidFill>
             <a:schemeClr val="tx1"/>
           </a:solidFill>
@@ -2909,8 +3350,8 @@
           <a:cs typeface="+mn-cs"/>
         </a:defRPr>
       </a:lvl5pPr>
-      <a:lvl6pPr marL="1143000" algn="l" defTabSz="457200" rtl="0" eaLnBrk="1" latinLnBrk="0" hangingPunct="1">
-        <a:defRPr sz="900" kern="1200">
+      <a:lvl6pPr marL="3047924" algn="l" defTabSz="1219170" rtl="0" eaLnBrk="1" latinLnBrk="0" hangingPunct="1">
+        <a:defRPr sz="2400" kern="1200">
           <a:solidFill>
             <a:schemeClr val="tx1"/>
           </a:solidFill>
@@ -2919,8 +3360,8 @@
           <a:cs typeface="+mn-cs"/>
         </a:defRPr>
       </a:lvl6pPr>
-      <a:lvl7pPr marL="1371600" algn="l" defTabSz="457200" rtl="0" eaLnBrk="1" latinLnBrk="0" hangingPunct="1">
-        <a:defRPr sz="900" kern="1200">
+      <a:lvl7pPr marL="3657509" algn="l" defTabSz="1219170" rtl="0" eaLnBrk="1" latinLnBrk="0" hangingPunct="1">
+        <a:defRPr sz="2400" kern="1200">
           <a:solidFill>
             <a:schemeClr val="tx1"/>
           </a:solidFill>
@@ -2929,8 +3370,8 @@
           <a:cs typeface="+mn-cs"/>
         </a:defRPr>
       </a:lvl7pPr>
-      <a:lvl8pPr marL="1600200" algn="l" defTabSz="457200" rtl="0" eaLnBrk="1" latinLnBrk="0" hangingPunct="1">
-        <a:defRPr sz="900" kern="1200">
+      <a:lvl8pPr marL="4267093" algn="l" defTabSz="1219170" rtl="0" eaLnBrk="1" latinLnBrk="0" hangingPunct="1">
+        <a:defRPr sz="2400" kern="1200">
           <a:solidFill>
             <a:schemeClr val="tx1"/>
           </a:solidFill>
@@ -2939,8 +3380,8 @@
           <a:cs typeface="+mn-cs"/>
         </a:defRPr>
       </a:lvl8pPr>
-      <a:lvl9pPr marL="1828800" algn="l" defTabSz="457200" rtl="0" eaLnBrk="1" latinLnBrk="0" hangingPunct="1">
-        <a:defRPr sz="900" kern="1200">
+      <a:lvl9pPr marL="4876678" algn="l" defTabSz="1219170" rtl="0" eaLnBrk="1" latinLnBrk="0" hangingPunct="1">
+        <a:defRPr sz="2400" kern="1200">
           <a:solidFill>
             <a:schemeClr val="tx1"/>
           </a:solidFill>
@@ -2973,10 +3414,10 @@
       </p:grpSpPr>
       <p:pic>
         <p:nvPicPr>
-          <p:cNvPr id="10" name="Picture 9" descr="A diagram of a waveform&#10;&#10;Description automatically generated">
+          <p:cNvPr id="5" name="Picture 4">
             <a:extLst>
               <a:ext uri="{FF2B5EF4-FFF2-40B4-BE49-F238E27FC236}">
-                <a16:creationId xmlns:a16="http://schemas.microsoft.com/office/drawing/2014/main" id="{C4D1DB68-8B72-56B2-58F6-5236D6EA7655}"/>
+                <a16:creationId xmlns:a16="http://schemas.microsoft.com/office/drawing/2014/main" id="{D80C74E4-6E2F-4603-B44A-1E7391B8A1A3}"/>
               </a:ext>
             </a:extLst>
           </p:cNvPr>
@@ -2986,14 +3427,20 @@
           <p:nvPr/>
         </p:nvPicPr>
         <p:blipFill rotWithShape="1">
-          <a:blip r:embed="rId2"/>
-          <a:srcRect t="4439" r="1192" b="3217"/>
+          <a:blip r:embed="rId3">
+            <a:extLst>
+              <a:ext uri="{28A0092B-C50C-407E-A947-70E740481C1C}">
+                <a14:useLocalDpi xmlns:a14="http://schemas.microsoft.com/office/drawing/2010/main" val="0"/>
+              </a:ext>
+            </a:extLst>
+          </a:blip>
+          <a:srcRect t="5404" r="7654"/>
           <a:stretch/>
         </p:blipFill>
         <p:spPr>
           <a:xfrm>
-            <a:off x="183668" y="3645568"/>
-            <a:ext cx="4348501" cy="3657600"/>
+            <a:off x="3496613" y="6217994"/>
+            <a:ext cx="3167997" cy="2902228"/>
           </a:xfrm>
           <a:prstGeom prst="rect">
             <a:avLst/>
@@ -3002,10 +3449,10 @@
       </p:pic>
       <p:pic>
         <p:nvPicPr>
-          <p:cNvPr id="13" name="Picture 12" descr="A graph showing a blue and yellow color&#10;&#10;Description automatically generated">
+          <p:cNvPr id="7" name="Picture 6">
             <a:extLst>
               <a:ext uri="{FF2B5EF4-FFF2-40B4-BE49-F238E27FC236}">
-                <a16:creationId xmlns:a16="http://schemas.microsoft.com/office/drawing/2014/main" id="{D7A56D31-2F35-CDCE-CEDE-8A4D81DE47E8}"/>
+                <a16:creationId xmlns:a16="http://schemas.microsoft.com/office/drawing/2014/main" id="{6C67FBC2-854C-4076-86E5-3F5F59C8DEFA}"/>
               </a:ext>
             </a:extLst>
           </p:cNvPr>
@@ -3015,98 +3462,34 @@
           <p:nvPr/>
         </p:nvPicPr>
         <p:blipFill rotWithShape="1">
-          <a:blip r:embed="rId3"/>
-          <a:srcRect t="5555" r="1192" b="2632"/>
+          <a:blip r:embed="rId4">
+            <a:extLst>
+              <a:ext uri="{28A0092B-C50C-407E-A947-70E740481C1C}">
+                <a14:useLocalDpi xmlns:a14="http://schemas.microsoft.com/office/drawing/2010/main" val="0"/>
+              </a:ext>
+            </a:extLst>
+          </a:blip>
+          <a:srcRect l="2" t="6556" r="7652"/>
           <a:stretch/>
         </p:blipFill>
         <p:spPr>
           <a:xfrm>
-            <a:off x="147569" y="36096"/>
-            <a:ext cx="4373629" cy="3657600"/>
+            <a:off x="3486941" y="555615"/>
+            <a:ext cx="3115138" cy="2830782"/>
           </a:xfrm>
           <a:prstGeom prst="rect">
             <a:avLst/>
           </a:prstGeom>
         </p:spPr>
       </p:pic>
-      <p:sp>
-        <p:nvSpPr>
-          <p:cNvPr id="8" name="TextBox 7">
-            <a:extLst>
-              <a:ext uri="{FF2B5EF4-FFF2-40B4-BE49-F238E27FC236}">
-                <a16:creationId xmlns:a16="http://schemas.microsoft.com/office/drawing/2014/main" id="{0C43E348-FDF8-2BF4-B73C-C36F059D0335}"/>
-              </a:ext>
-            </a:extLst>
-          </p:cNvPr>
-          <p:cNvSpPr txBox="1"/>
-          <p:nvPr/>
-        </p:nvSpPr>
-        <p:spPr>
-          <a:xfrm>
-            <a:off x="64119" y="-48065"/>
-            <a:ext cx="442750" cy="369332"/>
-          </a:xfrm>
-          <a:prstGeom prst="rect">
-            <a:avLst/>
-          </a:prstGeom>
-          <a:noFill/>
-        </p:spPr>
-        <p:txBody>
-          <a:bodyPr wrap="none" rtlCol="0">
-            <a:spAutoFit/>
-          </a:bodyPr>
-          <a:lstStyle/>
-          <a:p>
-            <a:r>
-              <a:rPr lang="en-US" dirty="0"/>
-              <a:t>(a)</a:t>
-            </a:r>
-          </a:p>
-        </p:txBody>
-      </p:sp>
-      <p:sp>
-        <p:nvSpPr>
-          <p:cNvPr id="9" name="TextBox 8">
-            <a:extLst>
-              <a:ext uri="{FF2B5EF4-FFF2-40B4-BE49-F238E27FC236}">
-                <a16:creationId xmlns:a16="http://schemas.microsoft.com/office/drawing/2014/main" id="{46456BD1-B0FE-1045-EEC7-63FC3E327B51}"/>
-              </a:ext>
-            </a:extLst>
-          </p:cNvPr>
-          <p:cNvSpPr txBox="1"/>
-          <p:nvPr/>
-        </p:nvSpPr>
-        <p:spPr>
-          <a:xfrm>
-            <a:off x="54501" y="3515455"/>
-            <a:ext cx="452368" cy="369332"/>
-          </a:xfrm>
-          <a:prstGeom prst="rect">
-            <a:avLst/>
-          </a:prstGeom>
-          <a:noFill/>
-        </p:spPr>
-        <p:txBody>
-          <a:bodyPr wrap="none" rtlCol="0">
-            <a:spAutoFit/>
-          </a:bodyPr>
-          <a:lstStyle/>
-          <a:p>
-            <a:r>
-              <a:rPr lang="en-US" dirty="0"/>
-              <a:t>(b)</a:t>
-            </a:r>
-          </a:p>
-        </p:txBody>
-      </p:sp>
       <mc:AlternateContent xmlns:mc="http://schemas.openxmlformats.org/markup-compatibility/2006" xmlns:a14="http://schemas.microsoft.com/office/drawing/2010/main">
         <mc:Choice Requires="a14">
           <p:sp>
             <p:nvSpPr>
-              <p:cNvPr id="18" name="TextBox 17">
+              <p:cNvPr id="76" name="TextBox 75">
                 <a:extLst>
                   <a:ext uri="{FF2B5EF4-FFF2-40B4-BE49-F238E27FC236}">
-                    <a16:creationId xmlns:a16="http://schemas.microsoft.com/office/drawing/2014/main" id="{409B0FE1-1680-2EAB-0F8C-912CA0E4A7A9}"/>
+                    <a16:creationId xmlns:a16="http://schemas.microsoft.com/office/drawing/2014/main" id="{D26FDC71-7CDE-435E-80CA-403993F9DAA0}"/>
                   </a:ext>
                 </a:extLst>
               </p:cNvPr>
@@ -3114,9 +3497,9 @@
               <p:nvPr/>
             </p:nvSpPr>
             <p:spPr>
-              <a:xfrm>
-                <a:off x="2032086" y="1271468"/>
-                <a:ext cx="928138" cy="307777"/>
+              <a:xfrm rot="16200000">
+                <a:off x="-1356753" y="1587973"/>
+                <a:ext cx="3193720" cy="427618"/>
               </a:xfrm>
               <a:prstGeom prst="rect">
                 <a:avLst/>
@@ -3124,7 +3507,7 @@
               <a:noFill/>
             </p:spPr>
             <p:txBody>
-              <a:bodyPr wrap="none" lIns="0" tIns="0" rIns="0" bIns="0" rtlCol="0">
+              <a:bodyPr wrap="square" rtlCol="0">
                 <a:spAutoFit/>
               </a:bodyPr>
               <a:lstStyle/>
@@ -3136,40 +3519,75 @@
                       <m:jc m:val="centerGroup"/>
                     </m:oMathParaPr>
                     <m:oMath xmlns:m="http://schemas.openxmlformats.org/officeDocument/2006/math">
+                      <m:sSub>
+                        <m:sSubPr>
+                          <m:ctrlPr>
+                            <a:rPr lang="en-US" sz="2000" b="1" i="1" dirty="0" smtClean="0">
+                              <a:latin typeface="Cambria Math" panose="02040503050406030204" pitchFamily="18" charset="0"/>
+                              <a:cs typeface="Times New Roman" panose="02020603050405020304" pitchFamily="18" charset="0"/>
+                            </a:rPr>
+                          </m:ctrlPr>
+                        </m:sSubPr>
+                        <m:e>
+                          <m:r>
+                            <a:rPr lang="en-US" sz="2000" b="1" i="1" dirty="0">
+                              <a:latin typeface="Cambria Math" panose="02040503050406030204" pitchFamily="18" charset="0"/>
+                              <a:cs typeface="Times New Roman" panose="02020603050405020304" pitchFamily="18" charset="0"/>
+                            </a:rPr>
+                            <m:t>𝝎</m:t>
+                          </m:r>
+                        </m:e>
+                        <m:sub>
+                          <m:r>
+                            <a:rPr lang="en-US" sz="2000" b="1" i="1" dirty="0">
+                              <a:latin typeface="Cambria Math" panose="02040503050406030204" pitchFamily="18" charset="0"/>
+                              <a:cs typeface="Times New Roman" panose="02020603050405020304" pitchFamily="18" charset="0"/>
+                            </a:rPr>
+                            <m:t>𝒑𝒆</m:t>
+                          </m:r>
+                        </m:sub>
+                      </m:sSub>
                       <m:r>
-                        <a:rPr lang="en-US" sz="2000" b="1" i="0" smtClean="0">
-                          <a:solidFill>
-                            <a:schemeClr val="bg1"/>
-                          </a:solidFill>
+                        <a:rPr lang="en-US" sz="2000" b="1" i="1" dirty="0">
                           <a:latin typeface="Cambria Math" panose="02040503050406030204" pitchFamily="18" charset="0"/>
+                          <a:cs typeface="Times New Roman" panose="02020603050405020304" pitchFamily="18" charset="0"/>
                         </a:rPr>
-                        <m:t>𝐏𝐡𝐚𝐬𝐞</m:t>
+                        <m:t>𝒕</m:t>
                       </m:r>
                       <m:r>
-                        <a:rPr lang="en-US" sz="2000" b="1" i="0" smtClean="0">
-                          <a:solidFill>
-                            <a:schemeClr val="bg1"/>
-                          </a:solidFill>
+                        <a:rPr lang="en-US" sz="2000" b="1" i="1" dirty="0">
                           <a:latin typeface="Cambria Math" panose="02040503050406030204" pitchFamily="18" charset="0"/>
+                          <a:cs typeface="Times New Roman" panose="02020603050405020304" pitchFamily="18" charset="0"/>
+                        </a:rPr>
+                        <m:t> =</m:t>
+                      </m:r>
+                      <m:r>
+                        <a:rPr lang="en-US" sz="2000" b="1" i="1" dirty="0" smtClean="0">
+                          <a:latin typeface="Cambria Math" panose="02040503050406030204" pitchFamily="18" charset="0"/>
+                          <a:cs typeface="Times New Roman" panose="02020603050405020304" pitchFamily="18" charset="0"/>
+                        </a:rPr>
+                        <m:t>𝟐𝟎</m:t>
+                      </m:r>
+                      <m:r>
+                        <a:rPr lang="en-US" sz="2000" b="1" i="1" dirty="0">
+                          <a:latin typeface="Cambria Math" panose="02040503050406030204" pitchFamily="18" charset="0"/>
+                          <a:cs typeface="Times New Roman" panose="02020603050405020304" pitchFamily="18" charset="0"/>
+                        </a:rPr>
+                        <m:t>𝟎𝟎</m:t>
+                      </m:r>
+                      <m:r>
+                        <a:rPr lang="en-US" sz="2000" b="1" i="1" dirty="0">
+                          <a:latin typeface="Cambria Math" panose="02040503050406030204" pitchFamily="18" charset="0"/>
+                          <a:cs typeface="Times New Roman" panose="02020603050405020304" pitchFamily="18" charset="0"/>
                         </a:rPr>
                         <m:t> </m:t>
-                      </m:r>
-                      <m:r>
-                        <a:rPr lang="en-US" sz="2000" b="1" i="0" smtClean="0">
-                          <a:solidFill>
-                            <a:schemeClr val="bg1"/>
-                          </a:solidFill>
-                          <a:latin typeface="Cambria Math" panose="02040503050406030204" pitchFamily="18" charset="0"/>
-                        </a:rPr>
-                        <m:t>𝐈</m:t>
                       </m:r>
                     </m:oMath>
                   </m:oMathPara>
                 </a14:m>
-                <a:endParaRPr lang="en-US" sz="2000" b="1" dirty="0">
-                  <a:solidFill>
-                    <a:schemeClr val="bg1"/>
-                  </a:solidFill>
+                <a:endParaRPr lang="en-US" sz="2800" b="1" dirty="0">
+                  <a:latin typeface="Times New Roman" panose="02020603050405020304" pitchFamily="18" charset="0"/>
+                  <a:cs typeface="Times New Roman" panose="02020603050405020304" pitchFamily="18" charset="0"/>
                 </a:endParaRPr>
               </a:p>
             </p:txBody>
@@ -3178,10 +3596,10 @@
         <mc:Fallback xmlns="">
           <p:sp>
             <p:nvSpPr>
-              <p:cNvPr id="18" name="TextBox 17">
+              <p:cNvPr id="76" name="TextBox 75">
                 <a:extLst>
                   <a:ext uri="{FF2B5EF4-FFF2-40B4-BE49-F238E27FC236}">
-                    <a16:creationId xmlns:a16="http://schemas.microsoft.com/office/drawing/2014/main" id="{409B0FE1-1680-2EAB-0F8C-912CA0E4A7A9}"/>
+                    <a16:creationId xmlns:a16="http://schemas.microsoft.com/office/drawing/2014/main" id="{D26FDC71-7CDE-435E-80CA-403993F9DAA0}"/>
                   </a:ext>
                 </a:extLst>
               </p:cNvPr>
@@ -3191,17 +3609,17 @@
               <p:nvPr/>
             </p:nvSpPr>
             <p:spPr>
-              <a:xfrm>
-                <a:off x="2032086" y="1271468"/>
-                <a:ext cx="928138" cy="307777"/>
+              <a:xfrm rot="16200000">
+                <a:off x="-1356753" y="1587973"/>
+                <a:ext cx="3193720" cy="427618"/>
               </a:xfrm>
               <a:prstGeom prst="rect">
                 <a:avLst/>
               </a:prstGeom>
               <a:blipFill>
-                <a:blip r:embed="rId4"/>
+                <a:blip r:embed="rId5"/>
                 <a:stretch>
-                  <a:fillRect l="-6536" r="-5882" b="-8000"/>
+                  <a:fillRect r="-7143"/>
                 </a:stretch>
               </a:blipFill>
             </p:spPr>
@@ -3224,10 +3642,10 @@
         <mc:Choice Requires="a14">
           <p:sp>
             <p:nvSpPr>
-              <p:cNvPr id="20" name="TextBox 19">
+              <p:cNvPr id="77" name="TextBox 76">
                 <a:extLst>
                   <a:ext uri="{FF2B5EF4-FFF2-40B4-BE49-F238E27FC236}">
-                    <a16:creationId xmlns:a16="http://schemas.microsoft.com/office/drawing/2014/main" id="{309B6DDE-9249-1BB0-AF39-DCFB1B486833}"/>
+                    <a16:creationId xmlns:a16="http://schemas.microsoft.com/office/drawing/2014/main" id="{FE09220B-73E8-4F82-816F-9498F07B0059}"/>
                   </a:ext>
                 </a:extLst>
               </p:cNvPr>
@@ -3235,9 +3653,9 @@
               <p:nvPr/>
             </p:nvSpPr>
             <p:spPr>
-              <a:xfrm>
-                <a:off x="2032086" y="4793695"/>
-                <a:ext cx="931345" cy="307777"/>
+              <a:xfrm rot="16200000">
+                <a:off x="-1365291" y="4447005"/>
+                <a:ext cx="3193720" cy="427618"/>
               </a:xfrm>
               <a:prstGeom prst="rect">
                 <a:avLst/>
@@ -3245,32 +3663,81 @@
               <a:noFill/>
             </p:spPr>
             <p:txBody>
-              <a:bodyPr wrap="none" lIns="0" tIns="0" rIns="0" bIns="0" rtlCol="0">
+              <a:bodyPr wrap="square" rtlCol="0">
                 <a:spAutoFit/>
               </a:bodyPr>
               <a:lstStyle/>
               <a:p>
+                <a:pPr/>
                 <a14:m>
-                  <m:oMath xmlns:m="http://schemas.openxmlformats.org/officeDocument/2006/math">
-                    <m:r>
-                      <a:rPr lang="en-US" sz="2000" b="1" i="0" smtClean="0">
-                        <a:solidFill>
-                          <a:schemeClr val="bg1"/>
-                        </a:solidFill>
-                        <a:latin typeface="Cambria Math" panose="02040503050406030204" pitchFamily="18" charset="0"/>
-                      </a:rPr>
-                      <m:t>𝐏𝐡𝐚𝐬𝐞</m:t>
-                    </m:r>
-                  </m:oMath>
+                  <m:oMathPara xmlns:m="http://schemas.openxmlformats.org/officeDocument/2006/math">
+                    <m:oMathParaPr>
+                      <m:jc m:val="centerGroup"/>
+                    </m:oMathParaPr>
+                    <m:oMath xmlns:m="http://schemas.openxmlformats.org/officeDocument/2006/math">
+                      <m:sSub>
+                        <m:sSubPr>
+                          <m:ctrlPr>
+                            <a:rPr lang="en-US" sz="2000" b="1" i="1" dirty="0">
+                              <a:latin typeface="Cambria Math" panose="02040503050406030204" pitchFamily="18" charset="0"/>
+                              <a:cs typeface="Times New Roman" panose="02020603050405020304" pitchFamily="18" charset="0"/>
+                            </a:rPr>
+                          </m:ctrlPr>
+                        </m:sSubPr>
+                        <m:e>
+                          <m:r>
+                            <a:rPr lang="en-US" sz="2000" b="1" i="1" dirty="0">
+                              <a:latin typeface="Cambria Math" panose="02040503050406030204" pitchFamily="18" charset="0"/>
+                              <a:cs typeface="Times New Roman" panose="02020603050405020304" pitchFamily="18" charset="0"/>
+                            </a:rPr>
+                            <m:t>𝝎</m:t>
+                          </m:r>
+                        </m:e>
+                        <m:sub>
+                          <m:r>
+                            <a:rPr lang="en-US" sz="2000" b="1" i="1" dirty="0">
+                              <a:latin typeface="Cambria Math" panose="02040503050406030204" pitchFamily="18" charset="0"/>
+                              <a:cs typeface="Times New Roman" panose="02020603050405020304" pitchFamily="18" charset="0"/>
+                            </a:rPr>
+                            <m:t>𝒑𝒆</m:t>
+                          </m:r>
+                        </m:sub>
+                      </m:sSub>
+                      <m:r>
+                        <a:rPr lang="en-US" sz="2000" b="1" i="1" dirty="0">
+                          <a:latin typeface="Cambria Math" panose="02040503050406030204" pitchFamily="18" charset="0"/>
+                          <a:cs typeface="Times New Roman" panose="02020603050405020304" pitchFamily="18" charset="0"/>
+                        </a:rPr>
+                        <m:t>𝒕</m:t>
+                      </m:r>
+                      <m:r>
+                        <a:rPr lang="en-US" sz="2000" b="1" i="1" dirty="0">
+                          <a:latin typeface="Cambria Math" panose="02040503050406030204" pitchFamily="18" charset="0"/>
+                          <a:cs typeface="Times New Roman" panose="02020603050405020304" pitchFamily="18" charset="0"/>
+                        </a:rPr>
+                        <m:t> =</m:t>
+                      </m:r>
+                      <m:r>
+                        <a:rPr lang="en-US" sz="2000" b="1" i="1" dirty="0">
+                          <a:latin typeface="Cambria Math" panose="02040503050406030204" pitchFamily="18" charset="0"/>
+                          <a:cs typeface="Times New Roman" panose="02020603050405020304" pitchFamily="18" charset="0"/>
+                        </a:rPr>
+                        <m:t>𝟑𝟓𝟎𝟎</m:t>
+                      </m:r>
+                      <m:r>
+                        <a:rPr lang="en-US" sz="2000" b="1" i="1" dirty="0">
+                          <a:latin typeface="Cambria Math" panose="02040503050406030204" pitchFamily="18" charset="0"/>
+                          <a:cs typeface="Times New Roman" panose="02020603050405020304" pitchFamily="18" charset="0"/>
+                        </a:rPr>
+                        <m:t> </m:t>
+                      </m:r>
+                    </m:oMath>
+                  </m:oMathPara>
                 </a14:m>
-                <a:r>
-                  <a:rPr lang="en-US" sz="2000" b="1" dirty="0">
-                    <a:solidFill>
-                      <a:schemeClr val="bg1"/>
-                    </a:solidFill>
-                  </a:rPr>
-                  <a:t> V</a:t>
-                </a:r>
+                <a:endParaRPr lang="en-US" sz="2800" b="1" dirty="0">
+                  <a:latin typeface="Times New Roman" panose="02020603050405020304" pitchFamily="18" charset="0"/>
+                  <a:cs typeface="Times New Roman" panose="02020603050405020304" pitchFamily="18" charset="0"/>
+                </a:endParaRPr>
               </a:p>
             </p:txBody>
           </p:sp>
@@ -3278,10 +3745,10 @@
         <mc:Fallback xmlns="">
           <p:sp>
             <p:nvSpPr>
-              <p:cNvPr id="20" name="TextBox 19">
+              <p:cNvPr id="77" name="TextBox 76">
                 <a:extLst>
                   <a:ext uri="{FF2B5EF4-FFF2-40B4-BE49-F238E27FC236}">
-                    <a16:creationId xmlns:a16="http://schemas.microsoft.com/office/drawing/2014/main" id="{309B6DDE-9249-1BB0-AF39-DCFB1B486833}"/>
+                    <a16:creationId xmlns:a16="http://schemas.microsoft.com/office/drawing/2014/main" id="{FE09220B-73E8-4F82-816F-9498F07B0059}"/>
                   </a:ext>
                 </a:extLst>
               </p:cNvPr>
@@ -3291,17 +3758,17 @@
               <p:nvPr/>
             </p:nvSpPr>
             <p:spPr>
-              <a:xfrm>
-                <a:off x="2032086" y="4793695"/>
-                <a:ext cx="931345" cy="307777"/>
+              <a:xfrm rot="16200000">
+                <a:off x="-1365291" y="4447005"/>
+                <a:ext cx="3193720" cy="427618"/>
               </a:xfrm>
               <a:prstGeom prst="rect">
                 <a:avLst/>
               </a:prstGeom>
               <a:blipFill>
-                <a:blip r:embed="rId5"/>
+                <a:blip r:embed="rId6"/>
                 <a:stretch>
-                  <a:fillRect l="-9804" t="-25490" r="-15686" b="-49020"/>
+                  <a:fillRect r="-8571"/>
                 </a:stretch>
               </a:blipFill>
             </p:spPr>
@@ -3320,10 +3787,1071 @@
           </p:sp>
         </mc:Fallback>
       </mc:AlternateContent>
+      <mc:AlternateContent xmlns:mc="http://schemas.openxmlformats.org/markup-compatibility/2006" xmlns:a14="http://schemas.microsoft.com/office/drawing/2010/main">
+        <mc:Choice Requires="a14">
+          <p:sp>
+            <p:nvSpPr>
+              <p:cNvPr id="78" name="TextBox 77">
+                <a:extLst>
+                  <a:ext uri="{FF2B5EF4-FFF2-40B4-BE49-F238E27FC236}">
+                    <a16:creationId xmlns:a16="http://schemas.microsoft.com/office/drawing/2014/main" id="{4B2F75BE-A2D9-49AD-93FA-3C29315FC7EC}"/>
+                  </a:ext>
+                </a:extLst>
+              </p:cNvPr>
+              <p:cNvSpPr txBox="1"/>
+              <p:nvPr/>
+            </p:nvSpPr>
+            <p:spPr>
+              <a:xfrm rot="16200000">
+                <a:off x="-1352418" y="7306038"/>
+                <a:ext cx="3193720" cy="427618"/>
+              </a:xfrm>
+              <a:prstGeom prst="rect">
+                <a:avLst/>
+              </a:prstGeom>
+              <a:noFill/>
+            </p:spPr>
+            <p:txBody>
+              <a:bodyPr wrap="square" rtlCol="0">
+                <a:spAutoFit/>
+              </a:bodyPr>
+              <a:lstStyle/>
+              <a:p>
+                <a:pPr/>
+                <a14:m>
+                  <m:oMathPara xmlns:m="http://schemas.openxmlformats.org/officeDocument/2006/math">
+                    <m:oMathParaPr>
+                      <m:jc m:val="centerGroup"/>
+                    </m:oMathParaPr>
+                    <m:oMath xmlns:m="http://schemas.openxmlformats.org/officeDocument/2006/math">
+                      <m:sSub>
+                        <m:sSubPr>
+                          <m:ctrlPr>
+                            <a:rPr lang="en-US" sz="2000" b="1" i="1" dirty="0">
+                              <a:latin typeface="Cambria Math" panose="02040503050406030204" pitchFamily="18" charset="0"/>
+                              <a:cs typeface="Times New Roman" panose="02020603050405020304" pitchFamily="18" charset="0"/>
+                            </a:rPr>
+                          </m:ctrlPr>
+                        </m:sSubPr>
+                        <m:e>
+                          <m:r>
+                            <a:rPr lang="en-US" sz="2000" b="1" i="1" dirty="0">
+                              <a:latin typeface="Cambria Math" panose="02040503050406030204" pitchFamily="18" charset="0"/>
+                              <a:cs typeface="Times New Roman" panose="02020603050405020304" pitchFamily="18" charset="0"/>
+                            </a:rPr>
+                            <m:t>𝝎</m:t>
+                          </m:r>
+                        </m:e>
+                        <m:sub>
+                          <m:r>
+                            <a:rPr lang="en-US" sz="2000" b="1" i="1" dirty="0">
+                              <a:latin typeface="Cambria Math" panose="02040503050406030204" pitchFamily="18" charset="0"/>
+                              <a:cs typeface="Times New Roman" panose="02020603050405020304" pitchFamily="18" charset="0"/>
+                            </a:rPr>
+                            <m:t>𝒑𝒆</m:t>
+                          </m:r>
+                        </m:sub>
+                      </m:sSub>
+                      <m:r>
+                        <a:rPr lang="en-US" sz="2000" b="1" i="1" dirty="0">
+                          <a:latin typeface="Cambria Math" panose="02040503050406030204" pitchFamily="18" charset="0"/>
+                          <a:cs typeface="Times New Roman" panose="02020603050405020304" pitchFamily="18" charset="0"/>
+                        </a:rPr>
+                        <m:t>𝒕</m:t>
+                      </m:r>
+                      <m:r>
+                        <a:rPr lang="en-US" sz="2000" b="1" i="1" dirty="0">
+                          <a:latin typeface="Cambria Math" panose="02040503050406030204" pitchFamily="18" charset="0"/>
+                          <a:cs typeface="Times New Roman" panose="02020603050405020304" pitchFamily="18" charset="0"/>
+                        </a:rPr>
+                        <m:t> =</m:t>
+                      </m:r>
+                      <m:r>
+                        <a:rPr lang="en-US" sz="2000" b="1" i="1" dirty="0">
+                          <a:latin typeface="Cambria Math" panose="02040503050406030204" pitchFamily="18" charset="0"/>
+                          <a:cs typeface="Times New Roman" panose="02020603050405020304" pitchFamily="18" charset="0"/>
+                        </a:rPr>
+                        <m:t>𝟒𝟑𝟎𝟎</m:t>
+                      </m:r>
+                      <m:r>
+                        <a:rPr lang="en-US" sz="2000" b="1" i="1" dirty="0">
+                          <a:latin typeface="Cambria Math" panose="02040503050406030204" pitchFamily="18" charset="0"/>
+                          <a:cs typeface="Times New Roman" panose="02020603050405020304" pitchFamily="18" charset="0"/>
+                        </a:rPr>
+                        <m:t> </m:t>
+                      </m:r>
+                    </m:oMath>
+                  </m:oMathPara>
+                </a14:m>
+                <a:endParaRPr lang="en-US" sz="2800" b="1" dirty="0">
+                  <a:latin typeface="Times New Roman" panose="02020603050405020304" pitchFamily="18" charset="0"/>
+                  <a:cs typeface="Times New Roman" panose="02020603050405020304" pitchFamily="18" charset="0"/>
+                </a:endParaRPr>
+              </a:p>
+            </p:txBody>
+          </p:sp>
+        </mc:Choice>
+        <mc:Fallback xmlns="">
+          <p:sp>
+            <p:nvSpPr>
+              <p:cNvPr id="78" name="TextBox 77">
+                <a:extLst>
+                  <a:ext uri="{FF2B5EF4-FFF2-40B4-BE49-F238E27FC236}">
+                    <a16:creationId xmlns:a16="http://schemas.microsoft.com/office/drawing/2014/main" id="{4B2F75BE-A2D9-49AD-93FA-3C29315FC7EC}"/>
+                  </a:ext>
+                </a:extLst>
+              </p:cNvPr>
+              <p:cNvSpPr txBox="1">
+                <a:spLocks noRot="1" noChangeAspect="1" noMove="1" noResize="1" noEditPoints="1" noAdjustHandles="1" noChangeArrowheads="1" noChangeShapeType="1" noTextEdit="1"/>
+              </p:cNvSpPr>
+              <p:nvPr/>
+            </p:nvSpPr>
+            <p:spPr>
+              <a:xfrm rot="16200000">
+                <a:off x="-1352418" y="7306038"/>
+                <a:ext cx="3193720" cy="427618"/>
+              </a:xfrm>
+              <a:prstGeom prst="rect">
+                <a:avLst/>
+              </a:prstGeom>
+              <a:blipFill>
+                <a:blip r:embed="rId12"/>
+                <a:stretch>
+                  <a:fillRect r="-7143"/>
+                </a:stretch>
+              </a:blipFill>
+            </p:spPr>
+            <p:txBody>
+              <a:bodyPr/>
+              <a:lstStyle/>
+              <a:p>
+                <a:r>
+                  <a:rPr lang="en-US">
+                    <a:noFill/>
+                  </a:rPr>
+                  <a:t> </a:t>
+                </a:r>
+              </a:p>
+            </p:txBody>
+          </p:sp>
+        </mc:Fallback>
+      </mc:AlternateContent>
+      <mc:AlternateContent xmlns:mc="http://schemas.openxmlformats.org/markup-compatibility/2006">
+        <mc:Choice xmlns:a14="http://schemas.microsoft.com/office/drawing/2010/main" Requires="a14">
+          <p:sp>
+            <p:nvSpPr>
+              <p:cNvPr id="79" name="TextBox 78">
+                <a:extLst>
+                  <a:ext uri="{FF2B5EF4-FFF2-40B4-BE49-F238E27FC236}">
+                    <a16:creationId xmlns:a16="http://schemas.microsoft.com/office/drawing/2014/main" id="{AB6198B0-3D7F-4AC4-A359-DAEC91F04F35}"/>
+                  </a:ext>
+                </a:extLst>
+              </p:cNvPr>
+              <p:cNvSpPr txBox="1"/>
+              <p:nvPr/>
+            </p:nvSpPr>
+            <p:spPr>
+              <a:xfrm>
+                <a:off x="994107" y="147749"/>
+                <a:ext cx="14216063" cy="450380"/>
+              </a:xfrm>
+              <a:prstGeom prst="rect">
+                <a:avLst/>
+              </a:prstGeom>
+              <a:noFill/>
+            </p:spPr>
+            <p:txBody>
+              <a:bodyPr wrap="square" rtlCol="0">
+                <a:spAutoFit/>
+              </a:bodyPr>
+              <a:lstStyle/>
+              <a:p>
+                <a14:m>
+                  <m:oMath xmlns:m="http://schemas.openxmlformats.org/officeDocument/2006/math">
+                    <m:r>
+                      <a:rPr lang="en-US" sz="2000" b="1" i="1" dirty="0" smtClean="0">
+                        <a:latin typeface="Cambria Math" panose="02040503050406030204" pitchFamily="18" charset="0"/>
+                        <a:cs typeface="Times New Roman" panose="02020603050405020304" pitchFamily="18" charset="0"/>
+                      </a:rPr>
+                      <m:t>&lt;</m:t>
+                    </m:r>
+                    <m:sSub>
+                      <m:sSubPr>
+                        <m:ctrlPr>
+                          <a:rPr lang="en-US" sz="2000" b="1" i="1" dirty="0" smtClean="0">
+                            <a:latin typeface="Cambria Math" panose="02040503050406030204" pitchFamily="18" charset="0"/>
+                            <a:cs typeface="Times New Roman" panose="02020603050405020304" pitchFamily="18" charset="0"/>
+                          </a:rPr>
+                        </m:ctrlPr>
+                      </m:sSubPr>
+                      <m:e>
+                        <m:r>
+                          <a:rPr lang="en-US" sz="2000" b="1" i="1" dirty="0" smtClean="0">
+                            <a:latin typeface="Cambria Math" panose="02040503050406030204" pitchFamily="18" charset="0"/>
+                            <a:cs typeface="Times New Roman" panose="02020603050405020304" pitchFamily="18" charset="0"/>
+                          </a:rPr>
+                          <m:t>𝒇</m:t>
+                        </m:r>
+                      </m:e>
+                      <m:sub>
+                        <m:r>
+                          <a:rPr lang="en-US" sz="2000" b="1" i="1" dirty="0" smtClean="0">
+                            <a:latin typeface="Cambria Math" panose="02040503050406030204" pitchFamily="18" charset="0"/>
+                            <a:cs typeface="Times New Roman" panose="02020603050405020304" pitchFamily="18" charset="0"/>
+                          </a:rPr>
+                          <m:t>𝒆</m:t>
+                        </m:r>
+                      </m:sub>
+                    </m:sSub>
+                    <m:d>
+                      <m:dPr>
+                        <m:ctrlPr>
+                          <a:rPr lang="en-US" sz="2000" b="1" i="1" dirty="0" smtClean="0">
+                            <a:latin typeface="Cambria Math" panose="02040503050406030204" pitchFamily="18" charset="0"/>
+                            <a:cs typeface="Times New Roman" panose="02020603050405020304" pitchFamily="18" charset="0"/>
+                          </a:rPr>
+                        </m:ctrlPr>
+                      </m:dPr>
+                      <m:e>
+                        <m:r>
+                          <a:rPr lang="en-US" sz="2000" b="1" i="1" dirty="0" smtClean="0">
+                            <a:latin typeface="Cambria Math" panose="02040503050406030204" pitchFamily="18" charset="0"/>
+                            <a:cs typeface="Times New Roman" panose="02020603050405020304" pitchFamily="18" charset="0"/>
+                          </a:rPr>
+                          <m:t>𝒚</m:t>
+                        </m:r>
+                        <m:r>
+                          <a:rPr lang="en-US" sz="2000" b="1" i="1" dirty="0" smtClean="0">
+                            <a:latin typeface="Cambria Math" panose="02040503050406030204" pitchFamily="18" charset="0"/>
+                            <a:cs typeface="Times New Roman" panose="02020603050405020304" pitchFamily="18" charset="0"/>
+                          </a:rPr>
+                          <m:t>,</m:t>
+                        </m:r>
+                        <m:sSub>
+                          <m:sSubPr>
+                            <m:ctrlPr>
+                              <a:rPr lang="en-US" sz="2000" b="1" i="1" dirty="0" smtClean="0">
+                                <a:latin typeface="Cambria Math" panose="02040503050406030204" pitchFamily="18" charset="0"/>
+                                <a:cs typeface="Times New Roman" panose="02020603050405020304" pitchFamily="18" charset="0"/>
+                              </a:rPr>
+                            </m:ctrlPr>
+                          </m:sSubPr>
+                          <m:e>
+                            <m:r>
+                              <a:rPr lang="en-US" sz="2000" b="1" i="1" dirty="0" smtClean="0">
+                                <a:latin typeface="Cambria Math" panose="02040503050406030204" pitchFamily="18" charset="0"/>
+                                <a:cs typeface="Times New Roman" panose="02020603050405020304" pitchFamily="18" charset="0"/>
+                              </a:rPr>
+                              <m:t>𝒗</m:t>
+                            </m:r>
+                          </m:e>
+                          <m:sub>
+                            <m:r>
+                              <a:rPr lang="en-US" sz="2000" b="1" i="1" dirty="0" smtClean="0">
+                                <a:latin typeface="Cambria Math" panose="02040503050406030204" pitchFamily="18" charset="0"/>
+                                <a:cs typeface="Times New Roman" panose="02020603050405020304" pitchFamily="18" charset="0"/>
+                              </a:rPr>
+                              <m:t>𝒚</m:t>
+                            </m:r>
+                          </m:sub>
+                        </m:sSub>
+                      </m:e>
+                    </m:d>
+                    <m:r>
+                      <a:rPr lang="en-US" sz="2000" b="1" i="1" dirty="0" smtClean="0">
+                        <a:latin typeface="Cambria Math" panose="02040503050406030204" pitchFamily="18" charset="0"/>
+                        <a:cs typeface="Times New Roman" panose="02020603050405020304" pitchFamily="18" charset="0"/>
+                      </a:rPr>
+                      <m:t>&gt;</m:t>
+                    </m:r>
+                    <m:d>
+                      <m:dPr>
+                        <m:ctrlPr>
+                          <a:rPr lang="en-US" sz="2000" b="1" i="1" dirty="0">
+                            <a:latin typeface="Cambria Math" panose="02040503050406030204" pitchFamily="18" charset="0"/>
+                          </a:rPr>
+                        </m:ctrlPr>
+                      </m:dPr>
+                      <m:e>
+                        <m:r>
+                          <a:rPr lang="en-US" sz="2000" b="1" i="1" dirty="0" smtClean="0">
+                            <a:latin typeface="Cambria Math" panose="02040503050406030204" pitchFamily="18" charset="0"/>
+                          </a:rPr>
+                          <m:t>𝒛</m:t>
+                        </m:r>
+                        <m:r>
+                          <a:rPr lang="en-US" sz="2000" b="1" i="1" dirty="0" smtClean="0">
+                            <a:latin typeface="Cambria Math" panose="02040503050406030204" pitchFamily="18" charset="0"/>
+                          </a:rPr>
+                          <m:t>,</m:t>
+                        </m:r>
+                        <m:sSub>
+                          <m:sSubPr>
+                            <m:ctrlPr>
+                              <a:rPr lang="en-US" sz="2000" b="1" i="1" dirty="0" err="1">
+                                <a:latin typeface="Cambria Math" panose="02040503050406030204" pitchFamily="18" charset="0"/>
+                              </a:rPr>
+                            </m:ctrlPr>
+                          </m:sSubPr>
+                          <m:e>
+                            <m:r>
+                              <a:rPr lang="en-US" sz="2000" b="1" i="1" dirty="0" err="1">
+                                <a:latin typeface="Cambria Math" panose="02040503050406030204" pitchFamily="18" charset="0"/>
+                              </a:rPr>
+                              <m:t>𝒗</m:t>
+                            </m:r>
+                          </m:e>
+                          <m:sub>
+                            <m:r>
+                              <a:rPr lang="en-US" sz="2000" b="1" i="1" dirty="0" smtClean="0">
+                                <a:latin typeface="Cambria Math" panose="02040503050406030204" pitchFamily="18" charset="0"/>
+                              </a:rPr>
+                              <m:t>𝒛</m:t>
+                            </m:r>
+                          </m:sub>
+                        </m:sSub>
+                      </m:e>
+                    </m:d>
+                    <m:r>
+                      <a:rPr lang="en-US" sz="2000" b="1" i="1" dirty="0" smtClean="0">
+                        <a:latin typeface="Cambria Math" panose="02040503050406030204" pitchFamily="18" charset="0"/>
+                      </a:rPr>
+                      <m:t>            </m:t>
+                    </m:r>
+                    <m:r>
+                      <a:rPr lang="en-US" sz="2000" b="1" i="1" dirty="0">
+                        <a:latin typeface="Cambria Math" panose="02040503050406030204" pitchFamily="18" charset="0"/>
+                        <a:cs typeface="Times New Roman" panose="02020603050405020304" pitchFamily="18" charset="0"/>
+                      </a:rPr>
+                      <m:t>&lt;</m:t>
+                    </m:r>
+                    <m:r>
+                      <a:rPr lang="en-US" sz="2000" b="1" i="1" dirty="0" smtClean="0">
+                        <a:latin typeface="Cambria Math" panose="02040503050406030204" pitchFamily="18" charset="0"/>
+                        <a:cs typeface="Times New Roman" panose="02020603050405020304" pitchFamily="18" charset="0"/>
+                      </a:rPr>
+                      <m:t> </m:t>
+                    </m:r>
+                    <m:sSub>
+                      <m:sSubPr>
+                        <m:ctrlPr>
+                          <a:rPr lang="en-US" sz="2000" b="1" i="1" dirty="0">
+                            <a:latin typeface="Cambria Math" panose="02040503050406030204" pitchFamily="18" charset="0"/>
+                            <a:cs typeface="Times New Roman" panose="02020603050405020304" pitchFamily="18" charset="0"/>
+                          </a:rPr>
+                        </m:ctrlPr>
+                      </m:sSubPr>
+                      <m:e>
+                        <m:r>
+                          <a:rPr lang="en-US" sz="2000" b="1" i="1" dirty="0">
+                            <a:latin typeface="Cambria Math" panose="02040503050406030204" pitchFamily="18" charset="0"/>
+                            <a:cs typeface="Times New Roman" panose="02020603050405020304" pitchFamily="18" charset="0"/>
+                          </a:rPr>
+                          <m:t>𝒇</m:t>
+                        </m:r>
+                      </m:e>
+                      <m:sub>
+                        <m:r>
+                          <a:rPr lang="en-US" sz="2000" b="1" i="1" dirty="0">
+                            <a:latin typeface="Cambria Math" panose="02040503050406030204" pitchFamily="18" charset="0"/>
+                            <a:cs typeface="Times New Roman" panose="02020603050405020304" pitchFamily="18" charset="0"/>
+                          </a:rPr>
+                          <m:t>𝒆</m:t>
+                        </m:r>
+                      </m:sub>
+                    </m:sSub>
+                    <m:d>
+                      <m:dPr>
+                        <m:ctrlPr>
+                          <a:rPr lang="en-US" sz="2000" b="1" i="1" dirty="0">
+                            <a:latin typeface="Cambria Math" panose="02040503050406030204" pitchFamily="18" charset="0"/>
+                            <a:cs typeface="Times New Roman" panose="02020603050405020304" pitchFamily="18" charset="0"/>
+                          </a:rPr>
+                        </m:ctrlPr>
+                      </m:dPr>
+                      <m:e>
+                        <m:r>
+                          <a:rPr lang="en-US" sz="2000" b="1" i="1" dirty="0" smtClean="0">
+                            <a:latin typeface="Cambria Math" panose="02040503050406030204" pitchFamily="18" charset="0"/>
+                            <a:cs typeface="Times New Roman" panose="02020603050405020304" pitchFamily="18" charset="0"/>
+                          </a:rPr>
+                          <m:t>𝒛</m:t>
+                        </m:r>
+                        <m:r>
+                          <a:rPr lang="en-US" sz="2000" b="1" i="1" dirty="0">
+                            <a:latin typeface="Cambria Math" panose="02040503050406030204" pitchFamily="18" charset="0"/>
+                            <a:cs typeface="Times New Roman" panose="02020603050405020304" pitchFamily="18" charset="0"/>
+                          </a:rPr>
+                          <m:t>,</m:t>
+                        </m:r>
+                        <m:r>
+                          <a:rPr lang="en-US" sz="2000" b="1" i="1" dirty="0" smtClean="0">
+                            <a:latin typeface="Cambria Math" panose="02040503050406030204" pitchFamily="18" charset="0"/>
+                            <a:cs typeface="Times New Roman" panose="02020603050405020304" pitchFamily="18" charset="0"/>
+                          </a:rPr>
+                          <m:t>𝒚</m:t>
+                        </m:r>
+                      </m:e>
+                    </m:d>
+                    <m:r>
+                      <a:rPr lang="en-US" sz="2000" b="1" i="1" dirty="0">
+                        <a:latin typeface="Cambria Math" panose="02040503050406030204" pitchFamily="18" charset="0"/>
+                        <a:cs typeface="Times New Roman" panose="02020603050405020304" pitchFamily="18" charset="0"/>
+                      </a:rPr>
+                      <m:t>&gt;</m:t>
+                    </m:r>
+                    <m:d>
+                      <m:dPr>
+                        <m:ctrlPr>
+                          <a:rPr lang="en-US" sz="2000" b="1" i="1" dirty="0">
+                            <a:latin typeface="Cambria Math" panose="02040503050406030204" pitchFamily="18" charset="0"/>
+                          </a:rPr>
+                        </m:ctrlPr>
+                      </m:dPr>
+                      <m:e>
+                        <m:sSub>
+                          <m:sSubPr>
+                            <m:ctrlPr>
+                              <a:rPr lang="en-US" sz="2000" b="1" i="1" dirty="0" smtClean="0">
+                                <a:latin typeface="Cambria Math" panose="02040503050406030204" pitchFamily="18" charset="0"/>
+                              </a:rPr>
+                            </m:ctrlPr>
+                          </m:sSubPr>
+                          <m:e>
+                            <m:r>
+                              <a:rPr lang="en-US" sz="2000" b="1" i="1" dirty="0" smtClean="0">
+                                <a:latin typeface="Cambria Math" panose="02040503050406030204" pitchFamily="18" charset="0"/>
+                              </a:rPr>
+                              <m:t>𝒗</m:t>
+                            </m:r>
+                          </m:e>
+                          <m:sub>
+                            <m:r>
+                              <a:rPr lang="en-US" sz="2000" b="1" i="1" dirty="0" smtClean="0">
+                                <a:latin typeface="Cambria Math" panose="02040503050406030204" pitchFamily="18" charset="0"/>
+                              </a:rPr>
+                              <m:t>𝒛</m:t>
+                            </m:r>
+                          </m:sub>
+                        </m:sSub>
+                        <m:r>
+                          <a:rPr lang="en-US" sz="2000" b="1" i="1" dirty="0">
+                            <a:latin typeface="Cambria Math" panose="02040503050406030204" pitchFamily="18" charset="0"/>
+                          </a:rPr>
+                          <m:t>,</m:t>
+                        </m:r>
+                        <m:sSub>
+                          <m:sSubPr>
+                            <m:ctrlPr>
+                              <a:rPr lang="en-US" sz="2000" b="1" i="1" dirty="0" err="1">
+                                <a:latin typeface="Cambria Math" panose="02040503050406030204" pitchFamily="18" charset="0"/>
+                              </a:rPr>
+                            </m:ctrlPr>
+                          </m:sSubPr>
+                          <m:e>
+                            <m:r>
+                              <a:rPr lang="en-US" sz="2000" b="1" i="1" dirty="0" err="1">
+                                <a:latin typeface="Cambria Math" panose="02040503050406030204" pitchFamily="18" charset="0"/>
+                              </a:rPr>
+                              <m:t>𝒗</m:t>
+                            </m:r>
+                          </m:e>
+                          <m:sub>
+                            <m:r>
+                              <a:rPr lang="en-US" sz="2000" b="1" i="1" dirty="0" smtClean="0">
+                                <a:latin typeface="Cambria Math" panose="02040503050406030204" pitchFamily="18" charset="0"/>
+                              </a:rPr>
+                              <m:t>𝒚</m:t>
+                            </m:r>
+                          </m:sub>
+                        </m:sSub>
+                      </m:e>
+                    </m:d>
+                    <m:r>
+                      <a:rPr lang="en-US" sz="2000" b="1" i="1" dirty="0">
+                        <a:latin typeface="Cambria Math" panose="02040503050406030204" pitchFamily="18" charset="0"/>
+                      </a:rPr>
+                      <m:t> </m:t>
+                    </m:r>
+                    <m:r>
+                      <a:rPr lang="en-US" sz="2000" b="1" i="1" dirty="0" smtClean="0">
+                        <a:latin typeface="Cambria Math" panose="02040503050406030204" pitchFamily="18" charset="0"/>
+                      </a:rPr>
+                      <m:t>            </m:t>
+                    </m:r>
+                    <m:r>
+                      <a:rPr lang="en-US" sz="2000" b="1" i="1" dirty="0" smtClean="0">
+                        <a:latin typeface="Cambria Math" panose="02040503050406030204" pitchFamily="18" charset="0"/>
+                      </a:rPr>
+                      <m:t> </m:t>
+                    </m:r>
+                    <m:r>
+                      <a:rPr lang="en-US" sz="2000" b="1" i="1" dirty="0" smtClean="0">
+                        <a:latin typeface="Cambria Math" panose="02040503050406030204" pitchFamily="18" charset="0"/>
+                      </a:rPr>
+                      <m:t>&lt;</m:t>
+                    </m:r>
+                    <m:sSub>
+                      <m:sSubPr>
+                        <m:ctrlPr>
+                          <a:rPr lang="en-US" sz="2000" b="1" i="1" dirty="0" smtClean="0">
+                            <a:latin typeface="Cambria Math" panose="02040503050406030204" pitchFamily="18" charset="0"/>
+                          </a:rPr>
+                        </m:ctrlPr>
+                      </m:sSubPr>
+                      <m:e>
+                        <m:r>
+                          <a:rPr lang="en-US" sz="2000" b="1" i="1" dirty="0" smtClean="0">
+                            <a:latin typeface="Cambria Math" panose="02040503050406030204" pitchFamily="18" charset="0"/>
+                          </a:rPr>
+                          <m:t>𝒇</m:t>
+                        </m:r>
+                      </m:e>
+                      <m:sub>
+                        <m:r>
+                          <a:rPr lang="en-US" sz="2000" b="1" i="1" dirty="0" smtClean="0">
+                            <a:latin typeface="Cambria Math" panose="02040503050406030204" pitchFamily="18" charset="0"/>
+                          </a:rPr>
+                          <m:t>𝒊</m:t>
+                        </m:r>
+                      </m:sub>
+                    </m:sSub>
+                    <m:r>
+                      <a:rPr lang="en-US" sz="2000" b="1" i="1" dirty="0" smtClean="0">
+                        <a:latin typeface="Cambria Math" panose="02040503050406030204" pitchFamily="18" charset="0"/>
+                      </a:rPr>
+                      <m:t>(</m:t>
+                    </m:r>
+                    <m:r>
+                      <a:rPr lang="en-US" sz="2000" b="1" i="1" dirty="0" smtClean="0">
+                        <a:latin typeface="Cambria Math" panose="02040503050406030204" pitchFamily="18" charset="0"/>
+                      </a:rPr>
+                      <m:t>𝒛</m:t>
+                    </m:r>
+                    <m:r>
+                      <a:rPr lang="en-US" sz="2000" b="1" i="1" dirty="0" smtClean="0">
+                        <a:latin typeface="Cambria Math" panose="02040503050406030204" pitchFamily="18" charset="0"/>
+                      </a:rPr>
+                      <m:t>,</m:t>
+                    </m:r>
+                    <m:r>
+                      <a:rPr lang="en-US" sz="2000" b="1" i="1" dirty="0" smtClean="0">
+                        <a:latin typeface="Cambria Math" panose="02040503050406030204" pitchFamily="18" charset="0"/>
+                      </a:rPr>
+                      <m:t>𝒚</m:t>
+                    </m:r>
+                    <m:r>
+                      <a:rPr lang="en-US" sz="2000" b="1" i="1" dirty="0" smtClean="0">
+                        <a:latin typeface="Cambria Math" panose="02040503050406030204" pitchFamily="18" charset="0"/>
+                      </a:rPr>
+                      <m:t>)&gt;</m:t>
+                    </m:r>
+                    <m:d>
+                      <m:dPr>
+                        <m:ctrlPr>
+                          <a:rPr lang="en-US" sz="2000" b="1" i="1" dirty="0">
+                            <a:latin typeface="Cambria Math" panose="02040503050406030204" pitchFamily="18" charset="0"/>
+                          </a:rPr>
+                        </m:ctrlPr>
+                      </m:dPr>
+                      <m:e>
+                        <m:sSub>
+                          <m:sSubPr>
+                            <m:ctrlPr>
+                              <a:rPr lang="en-US" sz="2000" b="1" i="1" dirty="0">
+                                <a:latin typeface="Cambria Math" panose="02040503050406030204" pitchFamily="18" charset="0"/>
+                              </a:rPr>
+                            </m:ctrlPr>
+                          </m:sSubPr>
+                          <m:e>
+                            <m:r>
+                              <a:rPr lang="en-US" sz="2000" b="1" i="1" dirty="0">
+                                <a:latin typeface="Cambria Math" panose="02040503050406030204" pitchFamily="18" charset="0"/>
+                              </a:rPr>
+                              <m:t>𝒗</m:t>
+                            </m:r>
+                          </m:e>
+                          <m:sub>
+                            <m:r>
+                              <a:rPr lang="en-US" sz="2000" b="1" i="1" dirty="0">
+                                <a:latin typeface="Cambria Math" panose="02040503050406030204" pitchFamily="18" charset="0"/>
+                              </a:rPr>
+                              <m:t>𝒛</m:t>
+                            </m:r>
+                          </m:sub>
+                        </m:sSub>
+                        <m:r>
+                          <a:rPr lang="en-US" sz="2000" b="1" i="1" dirty="0" err="1">
+                            <a:latin typeface="Cambria Math" panose="02040503050406030204" pitchFamily="18" charset="0"/>
+                          </a:rPr>
+                          <m:t>,</m:t>
+                        </m:r>
+                        <m:sSub>
+                          <m:sSubPr>
+                            <m:ctrlPr>
+                              <a:rPr lang="en-US" sz="2000" b="1" i="1" dirty="0" err="1">
+                                <a:latin typeface="Cambria Math" panose="02040503050406030204" pitchFamily="18" charset="0"/>
+                              </a:rPr>
+                            </m:ctrlPr>
+                          </m:sSubPr>
+                          <m:e>
+                            <m:r>
+                              <a:rPr lang="en-US" sz="2000" b="1" i="1" dirty="0" err="1">
+                                <a:latin typeface="Cambria Math" panose="02040503050406030204" pitchFamily="18" charset="0"/>
+                              </a:rPr>
+                              <m:t>𝒗</m:t>
+                            </m:r>
+                          </m:e>
+                          <m:sub>
+                            <m:r>
+                              <a:rPr lang="en-US" sz="2000" b="1" i="1" dirty="0">
+                                <a:latin typeface="Cambria Math" panose="02040503050406030204" pitchFamily="18" charset="0"/>
+                              </a:rPr>
+                              <m:t>𝒚</m:t>
+                            </m:r>
+                          </m:sub>
+                        </m:sSub>
+                      </m:e>
+                    </m:d>
+                  </m:oMath>
+                </a14:m>
+                <a:r>
+                  <a:rPr lang="en-US" sz="2000" b="1" dirty="0">
+                    <a:latin typeface="Times New Roman" panose="02020603050405020304" pitchFamily="18" charset="0"/>
+                    <a:cs typeface="Times New Roman" panose="02020603050405020304" pitchFamily="18" charset="0"/>
+                  </a:rPr>
+                  <a:t> </a:t>
+                </a:r>
+                <a14:m>
+                  <m:oMath xmlns:m="http://schemas.openxmlformats.org/officeDocument/2006/math">
+                    <m:r>
+                      <a:rPr lang="en-US" sz="2000" b="1" i="0" dirty="0" smtClean="0">
+                        <a:latin typeface="Cambria Math" panose="02040503050406030204" pitchFamily="18" charset="0"/>
+                        <a:cs typeface="Times New Roman" panose="02020603050405020304" pitchFamily="18" charset="0"/>
+                      </a:rPr>
+                      <m:t>                             </m:t>
+                    </m:r>
+                  </m:oMath>
+                </a14:m>
+                <a:r>
+                  <a:rPr lang="en-US" sz="2000" b="1" dirty="0">
+                    <a:latin typeface="Times New Roman" panose="02020603050405020304" pitchFamily="18" charset="0"/>
+                    <a:cs typeface="Times New Roman" panose="02020603050405020304" pitchFamily="18" charset="0"/>
+                  </a:rPr>
+                  <a:t>  </a:t>
+                </a:r>
+              </a:p>
+            </p:txBody>
+          </p:sp>
+        </mc:Choice>
+        <mc:Fallback>
+          <p:sp>
+            <p:nvSpPr>
+              <p:cNvPr id="79" name="TextBox 78">
+                <a:extLst>
+                  <a:ext uri="{FF2B5EF4-FFF2-40B4-BE49-F238E27FC236}">
+                    <a16:creationId xmlns:a16="http://schemas.microsoft.com/office/drawing/2014/main" id="{AB6198B0-3D7F-4AC4-A359-DAEC91F04F35}"/>
+                  </a:ext>
+                </a:extLst>
+              </p:cNvPr>
+              <p:cNvSpPr txBox="1">
+                <a:spLocks noRot="1" noChangeAspect="1" noMove="1" noResize="1" noEditPoints="1" noAdjustHandles="1" noChangeArrowheads="1" noChangeShapeType="1" noTextEdit="1"/>
+              </p:cNvSpPr>
+              <p:nvPr/>
+            </p:nvSpPr>
+            <p:spPr>
+              <a:xfrm>
+                <a:off x="994107" y="147749"/>
+                <a:ext cx="14216063" cy="450380"/>
+              </a:xfrm>
+              <a:prstGeom prst="rect">
+                <a:avLst/>
+              </a:prstGeom>
+              <a:blipFill>
+                <a:blip r:embed="rId13"/>
+                <a:stretch>
+                  <a:fillRect b="-8108"/>
+                </a:stretch>
+              </a:blipFill>
+            </p:spPr>
+            <p:txBody>
+              <a:bodyPr/>
+              <a:lstStyle/>
+              <a:p>
+                <a:r>
+                  <a:rPr lang="en-US">
+                    <a:noFill/>
+                  </a:rPr>
+                  <a:t> </a:t>
+                </a:r>
+              </a:p>
+            </p:txBody>
+          </p:sp>
+        </mc:Fallback>
+      </mc:AlternateContent>
+      <p:pic>
+        <p:nvPicPr>
+          <p:cNvPr id="4" name="Picture 3">
+            <a:extLst>
+              <a:ext uri="{FF2B5EF4-FFF2-40B4-BE49-F238E27FC236}">
+                <a16:creationId xmlns:a16="http://schemas.microsoft.com/office/drawing/2014/main" id="{1E6CA4B3-8621-4CF4-89D2-499798F61818}"/>
+              </a:ext>
+            </a:extLst>
+          </p:cNvPr>
+          <p:cNvPicPr>
+            <a:picLocks noChangeAspect="1"/>
+          </p:cNvPicPr>
+          <p:nvPr/>
+        </p:nvPicPr>
+        <p:blipFill rotWithShape="1">
+          <a:blip r:embed="rId14">
+            <a:extLst>
+              <a:ext uri="{28A0092B-C50C-407E-A947-70E740481C1C}">
+                <a14:useLocalDpi xmlns:a14="http://schemas.microsoft.com/office/drawing/2010/main" val="0"/>
+              </a:ext>
+            </a:extLst>
+          </a:blip>
+          <a:srcRect t="6528" r="7230"/>
+          <a:stretch/>
+        </p:blipFill>
+        <p:spPr>
+          <a:xfrm>
+            <a:off x="3471638" y="3389561"/>
+            <a:ext cx="3194338" cy="2839879"/>
+          </a:xfrm>
+          <a:prstGeom prst="rect">
+            <a:avLst/>
+          </a:prstGeom>
+        </p:spPr>
+      </p:pic>
+      <p:pic>
+        <p:nvPicPr>
+          <p:cNvPr id="25" name="Picture 24" descr="A picture containing text, screenshot, colorfulness, astronomy&#10;&#10;Description automatically generated">
+            <a:extLst>
+              <a:ext uri="{FF2B5EF4-FFF2-40B4-BE49-F238E27FC236}">
+                <a16:creationId xmlns:a16="http://schemas.microsoft.com/office/drawing/2014/main" id="{C6AEF31C-00DF-5DA2-03D3-2636440A9F3A}"/>
+              </a:ext>
+            </a:extLst>
+          </p:cNvPr>
+          <p:cNvPicPr>
+            <a:picLocks noChangeAspect="1"/>
+          </p:cNvPicPr>
+          <p:nvPr/>
+        </p:nvPicPr>
+        <p:blipFill>
+          <a:blip r:embed="rId15">
+            <a:extLst>
+              <a:ext uri="{28A0092B-C50C-407E-A947-70E740481C1C}">
+                <a14:useLocalDpi xmlns:a14="http://schemas.microsoft.com/office/drawing/2010/main" val="0"/>
+              </a:ext>
+            </a:extLst>
+          </a:blip>
+          <a:stretch>
+            <a:fillRect/>
+          </a:stretch>
+        </p:blipFill>
+        <p:spPr>
+          <a:xfrm>
+            <a:off x="6636012" y="3387817"/>
+            <a:ext cx="3171976" cy="2791339"/>
+          </a:xfrm>
+          <a:prstGeom prst="rect">
+            <a:avLst/>
+          </a:prstGeom>
+        </p:spPr>
+      </p:pic>
+      <p:pic>
+        <p:nvPicPr>
+          <p:cNvPr id="27" name="Picture 26" descr="A picture containing text, screenshot, colorfulness, astronomy&#10;&#10;Description automatically generated">
+            <a:extLst>
+              <a:ext uri="{FF2B5EF4-FFF2-40B4-BE49-F238E27FC236}">
+                <a16:creationId xmlns:a16="http://schemas.microsoft.com/office/drawing/2014/main" id="{3D93F203-A8A7-64BC-15D4-538C7DACE23A}"/>
+              </a:ext>
+            </a:extLst>
+          </p:cNvPr>
+          <p:cNvPicPr>
+            <a:picLocks noChangeAspect="1"/>
+          </p:cNvPicPr>
+          <p:nvPr/>
+        </p:nvPicPr>
+        <p:blipFill>
+          <a:blip r:embed="rId16">
+            <a:extLst>
+              <a:ext uri="{28A0092B-C50C-407E-A947-70E740481C1C}">
+                <a14:useLocalDpi xmlns:a14="http://schemas.microsoft.com/office/drawing/2010/main" val="0"/>
+              </a:ext>
+            </a:extLst>
+          </a:blip>
+          <a:stretch>
+            <a:fillRect/>
+          </a:stretch>
+        </p:blipFill>
+        <p:spPr>
+          <a:xfrm>
+            <a:off x="6656722" y="6253449"/>
+            <a:ext cx="3151266" cy="2831317"/>
+          </a:xfrm>
+          <a:prstGeom prst="rect">
+            <a:avLst/>
+          </a:prstGeom>
+        </p:spPr>
+      </p:pic>
+      <p:pic>
+        <p:nvPicPr>
+          <p:cNvPr id="23" name="Picture 22" descr="A picture containing screenshot, text, colorfulness, astronomy&#10;&#10;Description automatically generated">
+            <a:extLst>
+              <a:ext uri="{FF2B5EF4-FFF2-40B4-BE49-F238E27FC236}">
+                <a16:creationId xmlns:a16="http://schemas.microsoft.com/office/drawing/2014/main" id="{236871B6-56CE-9245-1FDA-D3EAC390FC40}"/>
+              </a:ext>
+            </a:extLst>
+          </p:cNvPr>
+          <p:cNvPicPr>
+            <a:picLocks noChangeAspect="1"/>
+          </p:cNvPicPr>
+          <p:nvPr/>
+        </p:nvPicPr>
+        <p:blipFill>
+          <a:blip r:embed="rId17">
+            <a:extLst>
+              <a:ext uri="{28A0092B-C50C-407E-A947-70E740481C1C}">
+                <a14:useLocalDpi xmlns:a14="http://schemas.microsoft.com/office/drawing/2010/main" val="0"/>
+              </a:ext>
+            </a:extLst>
+          </a:blip>
+          <a:stretch>
+            <a:fillRect/>
+          </a:stretch>
+        </p:blipFill>
+        <p:spPr>
+          <a:xfrm>
+            <a:off x="6656722" y="543019"/>
+            <a:ext cx="3120778" cy="2791339"/>
+          </a:xfrm>
+          <a:prstGeom prst="rect">
+            <a:avLst/>
+          </a:prstGeom>
+        </p:spPr>
+      </p:pic>
+      <p:pic>
+        <p:nvPicPr>
+          <p:cNvPr id="12" name="Picture 11">
+            <a:extLst>
+              <a:ext uri="{FF2B5EF4-FFF2-40B4-BE49-F238E27FC236}">
+                <a16:creationId xmlns:a16="http://schemas.microsoft.com/office/drawing/2014/main" id="{B80F1F57-3855-4741-BFB1-6D5B43D6AE23}"/>
+              </a:ext>
+            </a:extLst>
+          </p:cNvPr>
+          <p:cNvPicPr>
+            <a:picLocks noChangeAspect="1"/>
+          </p:cNvPicPr>
+          <p:nvPr/>
+        </p:nvPicPr>
+        <p:blipFill>
+          <a:blip r:embed="rId18">
+            <a:extLst>
+              <a:ext uri="{28A0092B-C50C-407E-A947-70E740481C1C}">
+                <a14:useLocalDpi xmlns:a14="http://schemas.microsoft.com/office/drawing/2010/main" val="0"/>
+              </a:ext>
+            </a:extLst>
+          </a:blip>
+          <a:stretch>
+            <a:fillRect/>
+          </a:stretch>
+        </p:blipFill>
+        <p:spPr>
+          <a:xfrm>
+            <a:off x="426117" y="6254181"/>
+            <a:ext cx="3095006" cy="2847696"/>
+          </a:xfrm>
+          <a:prstGeom prst="rect">
+            <a:avLst/>
+          </a:prstGeom>
+        </p:spPr>
+      </p:pic>
+      <p:pic>
+        <p:nvPicPr>
+          <p:cNvPr id="14" name="Picture 13">
+            <a:extLst>
+              <a:ext uri="{FF2B5EF4-FFF2-40B4-BE49-F238E27FC236}">
+                <a16:creationId xmlns:a16="http://schemas.microsoft.com/office/drawing/2014/main" id="{4B0723C0-26AB-48E6-B9CF-9EB2FA377213}"/>
+              </a:ext>
+            </a:extLst>
+          </p:cNvPr>
+          <p:cNvPicPr>
+            <a:picLocks noChangeAspect="1"/>
+          </p:cNvPicPr>
+          <p:nvPr/>
+        </p:nvPicPr>
+        <p:blipFill>
+          <a:blip r:embed="rId19">
+            <a:extLst>
+              <a:ext uri="{28A0092B-C50C-407E-A947-70E740481C1C}">
+                <a14:useLocalDpi xmlns:a14="http://schemas.microsoft.com/office/drawing/2010/main" val="0"/>
+              </a:ext>
+            </a:extLst>
+          </a:blip>
+          <a:stretch>
+            <a:fillRect/>
+          </a:stretch>
+        </p:blipFill>
+        <p:spPr>
+          <a:xfrm>
+            <a:off x="411185" y="553339"/>
+            <a:ext cx="3102837" cy="2791339"/>
+          </a:xfrm>
+          <a:prstGeom prst="rect">
+            <a:avLst/>
+          </a:prstGeom>
+        </p:spPr>
+      </p:pic>
+      <p:pic>
+        <p:nvPicPr>
+          <p:cNvPr id="17" name="Picture 16">
+            <a:extLst>
+              <a:ext uri="{FF2B5EF4-FFF2-40B4-BE49-F238E27FC236}">
+                <a16:creationId xmlns:a16="http://schemas.microsoft.com/office/drawing/2014/main" id="{576604EC-6596-41F7-85B8-18D3EE0183ED}"/>
+              </a:ext>
+            </a:extLst>
+          </p:cNvPr>
+          <p:cNvPicPr>
+            <a:picLocks noChangeAspect="1"/>
+          </p:cNvPicPr>
+          <p:nvPr/>
+        </p:nvPicPr>
+        <p:blipFill>
+          <a:blip r:embed="rId20">
+            <a:extLst>
+              <a:ext uri="{28A0092B-C50C-407E-A947-70E740481C1C}">
+                <a14:useLocalDpi xmlns:a14="http://schemas.microsoft.com/office/drawing/2010/main" val="0"/>
+              </a:ext>
+            </a:extLst>
+          </a:blip>
+          <a:stretch>
+            <a:fillRect/>
+          </a:stretch>
+        </p:blipFill>
+        <p:spPr>
+          <a:xfrm>
+            <a:off x="382920" y="3391919"/>
+            <a:ext cx="3146092" cy="2830253"/>
+          </a:xfrm>
+          <a:prstGeom prst="rect">
+            <a:avLst/>
+          </a:prstGeom>
+        </p:spPr>
+      </p:pic>
+      <p:pic>
+        <p:nvPicPr>
+          <p:cNvPr id="3" name="Picture 2">
+            <a:extLst>
+              <a:ext uri="{FF2B5EF4-FFF2-40B4-BE49-F238E27FC236}">
+                <a16:creationId xmlns:a16="http://schemas.microsoft.com/office/drawing/2014/main" id="{3068DA60-4346-48BF-88E3-91343D22F319}"/>
+              </a:ext>
+            </a:extLst>
+          </p:cNvPr>
+          <p:cNvPicPr>
+            <a:picLocks noChangeAspect="1"/>
+          </p:cNvPicPr>
+          <p:nvPr/>
+        </p:nvPicPr>
+        <p:blipFill>
+          <a:blip r:embed="rId21">
+            <a:extLst>
+              <a:ext uri="{28A0092B-C50C-407E-A947-70E740481C1C}">
+                <a14:useLocalDpi xmlns:a14="http://schemas.microsoft.com/office/drawing/2010/main" val="0"/>
+              </a:ext>
+            </a:extLst>
+          </a:blip>
+          <a:stretch>
+            <a:fillRect/>
+          </a:stretch>
+        </p:blipFill>
+        <p:spPr>
+          <a:xfrm>
+            <a:off x="9771611" y="6304593"/>
+            <a:ext cx="3480481" cy="2763862"/>
+          </a:xfrm>
+          <a:prstGeom prst="rect">
+            <a:avLst/>
+          </a:prstGeom>
+        </p:spPr>
+      </p:pic>
+      <p:pic>
+        <p:nvPicPr>
+          <p:cNvPr id="8" name="Picture 7">
+            <a:extLst>
+              <a:ext uri="{FF2B5EF4-FFF2-40B4-BE49-F238E27FC236}">
+                <a16:creationId xmlns:a16="http://schemas.microsoft.com/office/drawing/2014/main" id="{8FF0A768-4918-4CE0-A998-0F3618A31F18}"/>
+              </a:ext>
+            </a:extLst>
+          </p:cNvPr>
+          <p:cNvPicPr>
+            <a:picLocks noChangeAspect="1"/>
+          </p:cNvPicPr>
+          <p:nvPr/>
+        </p:nvPicPr>
+        <p:blipFill>
+          <a:blip r:embed="rId22">
+            <a:extLst>
+              <a:ext uri="{28A0092B-C50C-407E-A947-70E740481C1C}">
+                <a14:useLocalDpi xmlns:a14="http://schemas.microsoft.com/office/drawing/2010/main" val="0"/>
+              </a:ext>
+            </a:extLst>
+          </a:blip>
+          <a:stretch>
+            <a:fillRect/>
+          </a:stretch>
+        </p:blipFill>
+        <p:spPr>
+          <a:xfrm>
+            <a:off x="9745966" y="555614"/>
+            <a:ext cx="3519648" cy="2778743"/>
+          </a:xfrm>
+          <a:prstGeom prst="rect">
+            <a:avLst/>
+          </a:prstGeom>
+        </p:spPr>
+      </p:pic>
+      <p:pic>
+        <p:nvPicPr>
+          <p:cNvPr id="10" name="Picture 9">
+            <a:extLst>
+              <a:ext uri="{FF2B5EF4-FFF2-40B4-BE49-F238E27FC236}">
+                <a16:creationId xmlns:a16="http://schemas.microsoft.com/office/drawing/2014/main" id="{A9F26BDA-D1B5-41B8-9E0A-7E77A38AC4EE}"/>
+              </a:ext>
+            </a:extLst>
+          </p:cNvPr>
+          <p:cNvPicPr>
+            <a:picLocks noChangeAspect="1"/>
+          </p:cNvPicPr>
+          <p:nvPr/>
+        </p:nvPicPr>
+        <p:blipFill>
+          <a:blip r:embed="rId23">
+            <a:extLst>
+              <a:ext uri="{28A0092B-C50C-407E-A947-70E740481C1C}">
+                <a14:useLocalDpi xmlns:a14="http://schemas.microsoft.com/office/drawing/2010/main" val="0"/>
+              </a:ext>
+            </a:extLst>
+          </a:blip>
+          <a:stretch>
+            <a:fillRect/>
+          </a:stretch>
+        </p:blipFill>
+        <p:spPr>
+          <a:xfrm>
+            <a:off x="9771611" y="3474563"/>
+            <a:ext cx="3496088" cy="2743430"/>
+          </a:xfrm>
+          <a:prstGeom prst="rect">
+            <a:avLst/>
+          </a:prstGeom>
+        </p:spPr>
+      </p:pic>
     </p:spTree>
     <p:extLst>
       <p:ext uri="{BB962C8B-B14F-4D97-AF65-F5344CB8AC3E}">
-        <p14:creationId xmlns:p14="http://schemas.microsoft.com/office/powerpoint/2010/main" val="3441830900"/>
+        <p14:creationId xmlns:p14="http://schemas.microsoft.com/office/powerpoint/2010/main" val="645845618"/>
       </p:ext>
     </p:extLst>
   </p:cSld>
@@ -3592,4 +5120,299 @@
     </a:ext>
   </a:extLst>
 </a:theme>
+</file>
+
+<file path=ppt/theme/theme2.xml><?xml version="1.0" encoding="utf-8"?>
+<a:theme xmlns:a="http://schemas.openxmlformats.org/drawingml/2006/main" name="Office Theme">
+  <a:themeElements>
+    <a:clrScheme name="Office">
+      <a:dk1>
+        <a:sysClr val="windowText" lastClr="000000"/>
+      </a:dk1>
+      <a:lt1>
+        <a:sysClr val="window" lastClr="FFFFFF"/>
+      </a:lt1>
+      <a:dk2>
+        <a:srgbClr val="44546A"/>
+      </a:dk2>
+      <a:lt2>
+        <a:srgbClr val="E7E6E6"/>
+      </a:lt2>
+      <a:accent1>
+        <a:srgbClr val="4472C4"/>
+      </a:accent1>
+      <a:accent2>
+        <a:srgbClr val="ED7D31"/>
+      </a:accent2>
+      <a:accent3>
+        <a:srgbClr val="A5A5A5"/>
+      </a:accent3>
+      <a:accent4>
+        <a:srgbClr val="FFC000"/>
+      </a:accent4>
+      <a:accent5>
+        <a:srgbClr val="5B9BD5"/>
+      </a:accent5>
+      <a:accent6>
+        <a:srgbClr val="70AD47"/>
+      </a:accent6>
+      <a:hlink>
+        <a:srgbClr val="0563C1"/>
+      </a:hlink>
+      <a:folHlink>
+        <a:srgbClr val="954F72"/>
+      </a:folHlink>
+    </a:clrScheme>
+    <a:fontScheme name="Office">
+      <a:majorFont>
+        <a:latin typeface="Calibri Light" panose="020F0302020204030204"/>
+        <a:ea typeface=""/>
+        <a:cs typeface=""/>
+        <a:font script="Jpan" typeface="游ゴシック Light"/>
+        <a:font script="Hang" typeface="맑은 고딕"/>
+        <a:font script="Hans" typeface="等线 Light"/>
+        <a:font script="Hant" typeface="新細明體"/>
+        <a:font script="Arab" typeface="Times New Roman"/>
+        <a:font script="Hebr" typeface="Times New Roman"/>
+        <a:font script="Thai" typeface="Angsana New"/>
+        <a:font script="Ethi" typeface="Nyala"/>
+        <a:font script="Beng" typeface="Vrinda"/>
+        <a:font script="Gujr" typeface="Shruti"/>
+        <a:font script="Khmr" typeface="MoolBoran"/>
+        <a:font script="Knda" typeface="Tunga"/>
+        <a:font script="Guru" typeface="Raavi"/>
+        <a:font script="Cans" typeface="Euphemia"/>
+        <a:font script="Cher" typeface="Plantagenet Cherokee"/>
+        <a:font script="Yiii" typeface="Microsoft Yi Baiti"/>
+        <a:font script="Tibt" typeface="Microsoft Himalaya"/>
+        <a:font script="Thaa" typeface="MV Boli"/>
+        <a:font script="Deva" typeface="Mangal"/>
+        <a:font script="Telu" typeface="Gautami"/>
+        <a:font script="Taml" typeface="Latha"/>
+        <a:font script="Syrc" typeface="Estrangelo Edessa"/>
+        <a:font script="Orya" typeface="Kalinga"/>
+        <a:font script="Mlym" typeface="Kartika"/>
+        <a:font script="Laoo" typeface="DokChampa"/>
+        <a:font script="Sinh" typeface="Iskoola Pota"/>
+        <a:font script="Mong" typeface="Mongolian Baiti"/>
+        <a:font script="Viet" typeface="Times New Roman"/>
+        <a:font script="Uigh" typeface="Microsoft Uighur"/>
+        <a:font script="Geor" typeface="Sylfaen"/>
+        <a:font script="Armn" typeface="Arial"/>
+        <a:font script="Bugi" typeface="Leelawadee UI"/>
+        <a:font script="Bopo" typeface="Microsoft JhengHei"/>
+        <a:font script="Java" typeface="Javanese Text"/>
+        <a:font script="Lisu" typeface="Segoe UI"/>
+        <a:font script="Mymr" typeface="Myanmar Text"/>
+        <a:font script="Nkoo" typeface="Ebrima"/>
+        <a:font script="Olck" typeface="Nirmala UI"/>
+        <a:font script="Osma" typeface="Ebrima"/>
+        <a:font script="Phag" typeface="Phagspa"/>
+        <a:font script="Syrn" typeface="Estrangelo Edessa"/>
+        <a:font script="Syrj" typeface="Estrangelo Edessa"/>
+        <a:font script="Syre" typeface="Estrangelo Edessa"/>
+        <a:font script="Sora" typeface="Nirmala UI"/>
+        <a:font script="Tale" typeface="Microsoft Tai Le"/>
+        <a:font script="Talu" typeface="Microsoft New Tai Lue"/>
+        <a:font script="Tfng" typeface="Ebrima"/>
+      </a:majorFont>
+      <a:minorFont>
+        <a:latin typeface="Calibri" panose="020F0502020204030204"/>
+        <a:ea typeface=""/>
+        <a:cs typeface=""/>
+        <a:font script="Jpan" typeface="游ゴシック"/>
+        <a:font script="Hang" typeface="맑은 고딕"/>
+        <a:font script="Hans" typeface="等线"/>
+        <a:font script="Hant" typeface="新細明體"/>
+        <a:font script="Arab" typeface="Arial"/>
+        <a:font script="Hebr" typeface="Arial"/>
+        <a:font script="Thai" typeface="Cordia New"/>
+        <a:font script="Ethi" typeface="Nyala"/>
+        <a:font script="Beng" typeface="Vrinda"/>
+        <a:font script="Gujr" typeface="Shruti"/>
+        <a:font script="Khmr" typeface="DaunPenh"/>
+        <a:font script="Knda" typeface="Tunga"/>
+        <a:font script="Guru" typeface="Raavi"/>
+        <a:font script="Cans" typeface="Euphemia"/>
+        <a:font script="Cher" typeface="Plantagenet Cherokee"/>
+        <a:font script="Yiii" typeface="Microsoft Yi Baiti"/>
+        <a:font script="Tibt" typeface="Microsoft Himalaya"/>
+        <a:font script="Thaa" typeface="MV Boli"/>
+        <a:font script="Deva" typeface="Mangal"/>
+        <a:font script="Telu" typeface="Gautami"/>
+        <a:font script="Taml" typeface="Latha"/>
+        <a:font script="Syrc" typeface="Estrangelo Edessa"/>
+        <a:font script="Orya" typeface="Kalinga"/>
+        <a:font script="Mlym" typeface="Kartika"/>
+        <a:font script="Laoo" typeface="DokChampa"/>
+        <a:font script="Sinh" typeface="Iskoola Pota"/>
+        <a:font script="Mong" typeface="Mongolian Baiti"/>
+        <a:font script="Viet" typeface="Arial"/>
+        <a:font script="Uigh" typeface="Microsoft Uighur"/>
+        <a:font script="Geor" typeface="Sylfaen"/>
+        <a:font script="Armn" typeface="Arial"/>
+        <a:font script="Bugi" typeface="Leelawadee UI"/>
+        <a:font script="Bopo" typeface="Microsoft JhengHei"/>
+        <a:font script="Java" typeface="Javanese Text"/>
+        <a:font script="Lisu" typeface="Segoe UI"/>
+        <a:font script="Mymr" typeface="Myanmar Text"/>
+        <a:font script="Nkoo" typeface="Ebrima"/>
+        <a:font script="Olck" typeface="Nirmala UI"/>
+        <a:font script="Osma" typeface="Ebrima"/>
+        <a:font script="Phag" typeface="Phagspa"/>
+        <a:font script="Syrn" typeface="Estrangelo Edessa"/>
+        <a:font script="Syrj" typeface="Estrangelo Edessa"/>
+        <a:font script="Syre" typeface="Estrangelo Edessa"/>
+        <a:font script="Sora" typeface="Nirmala UI"/>
+        <a:font script="Tale" typeface="Microsoft Tai Le"/>
+        <a:font script="Talu" typeface="Microsoft New Tai Lue"/>
+        <a:font script="Tfng" typeface="Ebrima"/>
+      </a:minorFont>
+    </a:fontScheme>
+    <a:fmtScheme name="Office">
+      <a:fillStyleLst>
+        <a:solidFill>
+          <a:schemeClr val="phClr"/>
+        </a:solidFill>
+        <a:gradFill rotWithShape="1">
+          <a:gsLst>
+            <a:gs pos="0">
+              <a:schemeClr val="phClr">
+                <a:lumMod val="110000"/>
+                <a:satMod val="105000"/>
+                <a:tint val="67000"/>
+              </a:schemeClr>
+            </a:gs>
+            <a:gs pos="50000">
+              <a:schemeClr val="phClr">
+                <a:lumMod val="105000"/>
+                <a:satMod val="103000"/>
+                <a:tint val="73000"/>
+              </a:schemeClr>
+            </a:gs>
+            <a:gs pos="100000">
+              <a:schemeClr val="phClr">
+                <a:lumMod val="105000"/>
+                <a:satMod val="109000"/>
+                <a:tint val="81000"/>
+              </a:schemeClr>
+            </a:gs>
+          </a:gsLst>
+          <a:lin ang="5400000" scaled="0"/>
+        </a:gradFill>
+        <a:gradFill rotWithShape="1">
+          <a:gsLst>
+            <a:gs pos="0">
+              <a:schemeClr val="phClr">
+                <a:satMod val="103000"/>
+                <a:lumMod val="102000"/>
+                <a:tint val="94000"/>
+              </a:schemeClr>
+            </a:gs>
+            <a:gs pos="50000">
+              <a:schemeClr val="phClr">
+                <a:satMod val="110000"/>
+                <a:lumMod val="100000"/>
+                <a:shade val="100000"/>
+              </a:schemeClr>
+            </a:gs>
+            <a:gs pos="100000">
+              <a:schemeClr val="phClr">
+                <a:lumMod val="99000"/>
+                <a:satMod val="120000"/>
+                <a:shade val="78000"/>
+              </a:schemeClr>
+            </a:gs>
+          </a:gsLst>
+          <a:lin ang="5400000" scaled="0"/>
+        </a:gradFill>
+      </a:fillStyleLst>
+      <a:lnStyleLst>
+        <a:ln w="6350" cap="flat" cmpd="sng" algn="ctr">
+          <a:solidFill>
+            <a:schemeClr val="phClr"/>
+          </a:solidFill>
+          <a:prstDash val="solid"/>
+          <a:miter lim="800000"/>
+        </a:ln>
+        <a:ln w="12700" cap="flat" cmpd="sng" algn="ctr">
+          <a:solidFill>
+            <a:schemeClr val="phClr"/>
+          </a:solidFill>
+          <a:prstDash val="solid"/>
+          <a:miter lim="800000"/>
+        </a:ln>
+        <a:ln w="19050" cap="flat" cmpd="sng" algn="ctr">
+          <a:solidFill>
+            <a:schemeClr val="phClr"/>
+          </a:solidFill>
+          <a:prstDash val="solid"/>
+          <a:miter lim="800000"/>
+        </a:ln>
+      </a:lnStyleLst>
+      <a:effectStyleLst>
+        <a:effectStyle>
+          <a:effectLst/>
+        </a:effectStyle>
+        <a:effectStyle>
+          <a:effectLst/>
+        </a:effectStyle>
+        <a:effectStyle>
+          <a:effectLst>
+            <a:outerShdw blurRad="57150" dist="19050" dir="5400000" algn="ctr" rotWithShape="0">
+              <a:srgbClr val="000000">
+                <a:alpha val="63000"/>
+              </a:srgbClr>
+            </a:outerShdw>
+          </a:effectLst>
+        </a:effectStyle>
+      </a:effectStyleLst>
+      <a:bgFillStyleLst>
+        <a:solidFill>
+          <a:schemeClr val="phClr"/>
+        </a:solidFill>
+        <a:solidFill>
+          <a:schemeClr val="phClr">
+            <a:tint val="95000"/>
+            <a:satMod val="170000"/>
+          </a:schemeClr>
+        </a:solidFill>
+        <a:gradFill rotWithShape="1">
+          <a:gsLst>
+            <a:gs pos="0">
+              <a:schemeClr val="phClr">
+                <a:tint val="93000"/>
+                <a:satMod val="150000"/>
+                <a:shade val="98000"/>
+                <a:lumMod val="102000"/>
+              </a:schemeClr>
+            </a:gs>
+            <a:gs pos="50000">
+              <a:schemeClr val="phClr">
+                <a:tint val="98000"/>
+                <a:satMod val="130000"/>
+                <a:shade val="90000"/>
+                <a:lumMod val="103000"/>
+              </a:schemeClr>
+            </a:gs>
+            <a:gs pos="100000">
+              <a:schemeClr val="phClr">
+                <a:shade val="63000"/>
+                <a:satMod val="120000"/>
+              </a:schemeClr>
+            </a:gs>
+          </a:gsLst>
+          <a:lin ang="5400000" scaled="0"/>
+        </a:gradFill>
+      </a:bgFillStyleLst>
+    </a:fmtScheme>
+  </a:themeElements>
+  <a:objectDefaults/>
+  <a:extraClrSchemeLst/>
+  <a:extLst>
+    <a:ext uri="{05A4C25C-085E-4340-85A3-A5531E510DB2}">
+      <thm15:themeFamily xmlns:thm15="http://schemas.microsoft.com/office/thememl/2012/main" name="Office Theme" id="{62F939B6-93AF-4DB8-9C6B-D6C7DFDC589F}" vid="{4A3C46E8-61CC-4603-A589-7422A47A8E4A}"/>
+    </a:ext>
+  </a:extLst>
+</a:theme>
 </file>